--- a/repository/src/site/resources/Nasdanika-HTML.pptx
+++ b/repository/src/site/resources/Nasdanika-HTML.pptx
@@ -118,7 +118,7 @@
   </p:defaultTextStyle>
   <p:extLst>
     <p:ext uri="{EFAFB233-063F-42B5-8137-9DF3F51BA10A}">
-      <p15:sldGuideLst xmlns:p15="http://schemas.microsoft.com/office/powerpoint/2012/main" xmlns="">
+      <p15:sldGuideLst xmlns="" xmlns:p15="http://schemas.microsoft.com/office/powerpoint/2012/main">
         <p15:guide id="1" orient="horz" pos="2160">
           <p15:clr>
             <a:srgbClr val="A4A3A4"/>
@@ -217,7 +217,8 @@
           <a:p>
             <a:fld id="{7C8337F5-D202-444F-ACB7-E30DDEF66A80}" type="datetimeFigureOut">
               <a:rPr lang="en-US" smtClean="0"/>
-              <a:t>2/17/2019</a:t>
+              <a:pPr/>
+              <a:t>2/18/2019</a:t>
             </a:fld>
             <a:endParaRPr lang="en-US"/>
           </a:p>
@@ -378,6 +379,7 @@
           <a:p>
             <a:fld id="{F050C791-61F7-47E9-8637-DE7663FB53F0}" type="slidenum">
               <a:rPr lang="en-US" smtClean="0"/>
+              <a:pPr/>
               <a:t>‹#›</a:t>
             </a:fld>
             <a:endParaRPr lang="en-US"/>
@@ -653,9 +655,9 @@
           <a:bodyPr/>
           <a:lstStyle/>
           <a:p>
-            <a:fld id="{21051784-8DD9-4A2C-AAB7-3D07EA5A6C6E}" type="datetime1">
-              <a:rPr lang="en-US" smtClean="0"/>
-              <a:t>2/17/2019</a:t>
+            <a:fld id="{973C4BCA-08D2-4CA8-B1E3-197077574A8E}" type="datetime1">
+              <a:rPr lang="en-US" smtClean="0"/>
+              <a:t>2/18/2019</a:t>
             </a:fld>
             <a:endParaRPr lang="en-US"/>
           </a:p>
@@ -671,16 +673,21 @@
             <p:ph type="ftr" sz="quarter" idx="11"/>
           </p:nvPr>
         </p:nvSpPr>
-        <p:spPr/>
-        <p:txBody>
-          <a:bodyPr/>
-          <a:lstStyle/>
-          <a:p>
-            <a:r>
-              <a:rPr lang="en-US" smtClean="0"/>
-              <a:t>https://www.nasdanka.org/products/html</a:t>
-            </a:r>
-            <a:endParaRPr lang="en-US"/>
+        <p:spPr>
+          <a:xfrm>
+            <a:off x="2666999" y="6356350"/>
+            <a:ext cx="5202555" cy="365125"/>
+          </a:xfrm>
+        </p:spPr>
+        <p:txBody>
+          <a:bodyPr/>
+          <a:lstStyle/>
+          <a:p>
+            <a:r>
+              <a:rPr lang="en-US" dirty="0" smtClean="0"/>
+              <a:t>https://www.nasdanika.org/home/products/html/index.html</a:t>
+            </a:r>
+            <a:endParaRPr lang="en-US" dirty="0"/>
           </a:p>
         </p:txBody>
       </p:sp>
@@ -823,9 +830,9 @@
           <a:bodyPr/>
           <a:lstStyle/>
           <a:p>
-            <a:fld id="{5E634CB8-09FD-46FA-83B7-6E9BA395A00B}" type="datetime1">
-              <a:rPr lang="en-US" smtClean="0"/>
-              <a:t>2/17/2019</a:t>
+            <a:fld id="{8B0DE5C2-E71F-48B9-B5FA-4397448A1927}" type="datetime1">
+              <a:rPr lang="en-US" smtClean="0"/>
+              <a:t>2/18/2019</a:t>
             </a:fld>
             <a:endParaRPr lang="en-US"/>
           </a:p>
@@ -848,7 +855,7 @@
           <a:p>
             <a:r>
               <a:rPr lang="en-US" smtClean="0"/>
-              <a:t>https://www.nasdanka.org/products/html</a:t>
+              <a:t>https://www.nasdanika.org/home/products/html/index.html</a:t>
             </a:r>
             <a:endParaRPr lang="en-US"/>
           </a:p>
@@ -1003,9 +1010,9 @@
           <a:bodyPr/>
           <a:lstStyle/>
           <a:p>
-            <a:fld id="{86A941EE-5483-4F34-95E6-7D946841A7AF}" type="datetime1">
-              <a:rPr lang="en-US" smtClean="0"/>
-              <a:t>2/17/2019</a:t>
+            <a:fld id="{FD419A60-239A-450E-925F-8FC52B7D7C5A}" type="datetime1">
+              <a:rPr lang="en-US" smtClean="0"/>
+              <a:t>2/18/2019</a:t>
             </a:fld>
             <a:endParaRPr lang="en-US"/>
           </a:p>
@@ -1028,7 +1035,7 @@
           <a:p>
             <a:r>
               <a:rPr lang="en-US" smtClean="0"/>
-              <a:t>https://www.nasdanka.org/products/html</a:t>
+              <a:t>https://www.nasdanika.org/home/products/html/index.html</a:t>
             </a:r>
             <a:endParaRPr lang="en-US"/>
           </a:p>
@@ -1207,9 +1214,9 @@
           <a:bodyPr/>
           <a:lstStyle/>
           <a:p>
-            <a:fld id="{E3DED6D6-FCC4-466B-BA58-C309E4139051}" type="datetime1">
-              <a:rPr lang="en-US" smtClean="0"/>
-              <a:t>2/17/2019</a:t>
+            <a:fld id="{1EE53D70-32C6-4CF9-A4F6-B2191D9D330B}" type="datetime1">
+              <a:rPr lang="en-US" smtClean="0"/>
+              <a:t>2/18/2019</a:t>
             </a:fld>
             <a:endParaRPr lang="en-US" dirty="0"/>
           </a:p>
@@ -1232,7 +1239,7 @@
           <a:p>
             <a:r>
               <a:rPr lang="en-US" smtClean="0"/>
-              <a:t>https://www.nasdanka.org/products/html</a:t>
+              <a:t>https://www.nasdanika.org/home/products/html/index.html</a:t>
             </a:r>
             <a:endParaRPr lang="en-US" dirty="0"/>
           </a:p>
@@ -1454,9 +1461,9 @@
           <a:bodyPr/>
           <a:lstStyle/>
           <a:p>
-            <a:fld id="{946707EE-E09B-4BE6-853F-0CED8D871CDA}" type="datetime1">
-              <a:rPr lang="en-US" smtClean="0"/>
-              <a:t>2/17/2019</a:t>
+            <a:fld id="{0839DC55-7C8E-45AC-ABF3-3FCA4447D029}" type="datetime1">
+              <a:rPr lang="en-US" smtClean="0"/>
+              <a:t>2/18/2019</a:t>
             </a:fld>
             <a:endParaRPr lang="en-US"/>
           </a:p>
@@ -1479,7 +1486,7 @@
           <a:p>
             <a:r>
               <a:rPr lang="en-US" smtClean="0"/>
-              <a:t>https://www.nasdanka.org/products/html</a:t>
+              <a:t>https://www.nasdanika.org/home/products/html/index.html</a:t>
             </a:r>
             <a:endParaRPr lang="en-US"/>
           </a:p>
@@ -1723,9 +1730,9 @@
           <a:bodyPr/>
           <a:lstStyle/>
           <a:p>
-            <a:fld id="{6CC69925-D1A4-4629-81B3-284069DADA28}" type="datetime1">
-              <a:rPr lang="en-US" smtClean="0"/>
-              <a:t>2/17/2019</a:t>
+            <a:fld id="{4BE8A98D-D9E0-4D2C-A472-5FB776D74598}" type="datetime1">
+              <a:rPr lang="en-US" smtClean="0"/>
+              <a:t>2/18/2019</a:t>
             </a:fld>
             <a:endParaRPr lang="en-US"/>
           </a:p>
@@ -1748,7 +1755,7 @@
           <a:p>
             <a:r>
               <a:rPr lang="en-US" smtClean="0"/>
-              <a:t>https://www.nasdanka.org/products/html</a:t>
+              <a:t>https://www.nasdanika.org/home/products/html/index.html</a:t>
             </a:r>
             <a:endParaRPr lang="en-US"/>
           </a:p>
@@ -2106,9 +2113,9 @@
           <a:bodyPr/>
           <a:lstStyle/>
           <a:p>
-            <a:fld id="{DEF301C8-FE6F-40AA-B355-DEDC8B728116}" type="datetime1">
-              <a:rPr lang="en-US" smtClean="0"/>
-              <a:t>2/17/2019</a:t>
+            <a:fld id="{817C1654-FADF-44DC-ADCE-4E0BE626F38D}" type="datetime1">
+              <a:rPr lang="en-US" smtClean="0"/>
+              <a:t>2/18/2019</a:t>
             </a:fld>
             <a:endParaRPr lang="en-US"/>
           </a:p>
@@ -2131,7 +2138,7 @@
           <a:p>
             <a:r>
               <a:rPr lang="en-US" smtClean="0"/>
-              <a:t>https://www.nasdanka.org/products/html</a:t>
+              <a:t>https://www.nasdanika.org/home/products/html/index.html</a:t>
             </a:r>
             <a:endParaRPr lang="en-US"/>
           </a:p>
@@ -2261,9 +2268,9 @@
           <a:bodyPr/>
           <a:lstStyle/>
           <a:p>
-            <a:fld id="{88D62838-C9A8-4F3A-8575-81880324D72B}" type="datetime1">
-              <a:rPr lang="en-US" smtClean="0"/>
-              <a:t>2/17/2019</a:t>
+            <a:fld id="{6CB0A448-83EE-48DD-8372-5CD1DDAFA900}" type="datetime1">
+              <a:rPr lang="en-US" smtClean="0"/>
+              <a:t>2/18/2019</a:t>
             </a:fld>
             <a:endParaRPr lang="en-US"/>
           </a:p>
@@ -2286,7 +2293,7 @@
           <a:p>
             <a:r>
               <a:rPr lang="en-US" smtClean="0"/>
-              <a:t>https://www.nasdanka.org/products/html</a:t>
+              <a:t>https://www.nasdanika.org/home/products/html/index.html</a:t>
             </a:r>
             <a:endParaRPr lang="en-US"/>
           </a:p>
@@ -2356,9 +2363,9 @@
           <a:bodyPr/>
           <a:lstStyle/>
           <a:p>
-            <a:fld id="{EEFDC0A4-71A4-4993-BE98-776F94C5B9DB}" type="datetime1">
-              <a:rPr lang="en-US" smtClean="0"/>
-              <a:t>2/17/2019</a:t>
+            <a:fld id="{ED20EAE7-5D8A-45FC-A0A0-3B54D025C053}" type="datetime1">
+              <a:rPr lang="en-US" smtClean="0"/>
+              <a:t>2/18/2019</a:t>
             </a:fld>
             <a:endParaRPr lang="en-US"/>
           </a:p>
@@ -2381,7 +2388,7 @@
           <a:p>
             <a:r>
               <a:rPr lang="en-US" smtClean="0"/>
-              <a:t>https://www.nasdanka.org/products/html</a:t>
+              <a:t>https://www.nasdanika.org/home/products/html/index.html</a:t>
             </a:r>
             <a:endParaRPr lang="en-US"/>
           </a:p>
@@ -2622,9 +2629,9 @@
           <a:bodyPr/>
           <a:lstStyle/>
           <a:p>
-            <a:fld id="{19C5B751-245A-45A8-B0D6-299092768AAC}" type="datetime1">
-              <a:rPr lang="en-US" smtClean="0"/>
-              <a:t>2/17/2019</a:t>
+            <a:fld id="{B0D209B0-BD42-45C1-B9FE-4A1FDA2C3CF0}" type="datetime1">
+              <a:rPr lang="en-US" smtClean="0"/>
+              <a:t>2/18/2019</a:t>
             </a:fld>
             <a:endParaRPr lang="en-US"/>
           </a:p>
@@ -2647,7 +2654,7 @@
           <a:p>
             <a:r>
               <a:rPr lang="en-US" smtClean="0"/>
-              <a:t>https://www.nasdanka.org/products/html</a:t>
+              <a:t>https://www.nasdanika.org/home/products/html/index.html</a:t>
             </a:r>
             <a:endParaRPr lang="en-US"/>
           </a:p>
@@ -2915,9 +2922,9 @@
           <a:bodyPr/>
           <a:lstStyle/>
           <a:p>
-            <a:fld id="{AEF20488-9F3D-45DA-9F49-53A222944991}" type="datetime1">
-              <a:rPr lang="en-US" smtClean="0"/>
-              <a:t>2/17/2019</a:t>
+            <a:fld id="{B924CD1B-6C4E-41C6-A1E7-ED10A6FB6365}" type="datetime1">
+              <a:rPr lang="en-US" smtClean="0"/>
+              <a:t>2/18/2019</a:t>
             </a:fld>
             <a:endParaRPr lang="en-US"/>
           </a:p>
@@ -2940,7 +2947,7 @@
           <a:p>
             <a:r>
               <a:rPr lang="en-US" smtClean="0"/>
-              <a:t>https://www.nasdanka.org/products/html</a:t>
+              <a:t>https://www.nasdanika.org/home/products/html/index.html</a:t>
             </a:r>
             <a:endParaRPr lang="en-US"/>
           </a:p>
@@ -3691,9 +3698,9 @@
             </a:lvl1pPr>
           </a:lstStyle>
           <a:p>
-            <a:fld id="{287932F9-FB52-4120-828D-AE00FE554CCD}" type="datetime1">
-              <a:rPr lang="en-US" smtClean="0"/>
-              <a:t>2/17/2019</a:t>
+            <a:fld id="{C2F9BE2B-4E55-4228-8668-ED3CFA3258BF}" type="datetime1">
+              <a:rPr lang="en-US" smtClean="0"/>
+              <a:t>2/18/2019</a:t>
             </a:fld>
             <a:endParaRPr lang="en-US"/>
           </a:p>
@@ -3734,7 +3741,7 @@
           <a:p>
             <a:r>
               <a:rPr lang="en-US" smtClean="0"/>
-              <a:t>https://www.nasdanka.org/products/html</a:t>
+              <a:t>https://www.nasdanika.org/home/products/html/index.html</a:t>
             </a:r>
             <a:endParaRPr lang="en-US"/>
           </a:p>
@@ -4461,7 +4468,7 @@
           <a:bodyPr/>
           <a:lstStyle/>
           <a:p>
-            <a:fld id="{0B86630C-DAAC-4FBD-99BE-E6CAFD6CBD08}" type="datetime1">
+            <a:fld id="{E5699493-5A06-4790-B435-5011A9418C44}" type="datetime1">
               <a:rPr lang="en-US" smtClean="0"/>
               <a:t>2/18/2019</a:t>
             </a:fld>
@@ -4503,16 +4510,21 @@
             <p:ph type="ftr" sz="quarter" idx="11"/>
           </p:nvPr>
         </p:nvSpPr>
-        <p:spPr/>
-        <p:txBody>
-          <a:bodyPr/>
-          <a:lstStyle/>
-          <a:p>
-            <a:r>
-              <a:rPr lang="en-US" smtClean="0"/>
-              <a:t>https://www.nasdanka.org/products/html</a:t>
-            </a:r>
-            <a:endParaRPr lang="en-US"/>
+        <p:spPr>
+          <a:xfrm>
+            <a:off x="2666999" y="6356350"/>
+            <a:ext cx="4278807" cy="365125"/>
+          </a:xfrm>
+        </p:spPr>
+        <p:txBody>
+          <a:bodyPr/>
+          <a:lstStyle/>
+          <a:p>
+            <a:r>
+              <a:rPr lang="en-US" dirty="0" smtClean="0"/>
+              <a:t>https://www.nasdanika.org/home/products/html/index.html</a:t>
+            </a:r>
+            <a:endParaRPr lang="en-US" dirty="0"/>
           </a:p>
         </p:txBody>
       </p:sp>
@@ -4627,7 +4639,7 @@
           <a:bodyPr/>
           <a:lstStyle/>
           <a:p>
-            <a:fld id="{E3DED6D6-FCC4-466B-BA58-C309E4139051}" type="datetime1">
+            <a:fld id="{DA9C945D-B86E-4068-BB7B-2DBFABE9C9E1}" type="datetime1">
               <a:rPr lang="en-US" smtClean="0"/>
               <a:t>2/18/2019</a:t>
             </a:fld>
@@ -4645,14 +4657,19 @@
             <p:ph type="ftr" sz="quarter" idx="11"/>
           </p:nvPr>
         </p:nvSpPr>
-        <p:spPr/>
-        <p:txBody>
-          <a:bodyPr/>
-          <a:lstStyle/>
-          <a:p>
-            <a:r>
-              <a:rPr lang="en-US" smtClean="0"/>
-              <a:t>https://www.nasdanka.org/products/html</a:t>
+        <p:spPr>
+          <a:xfrm>
+            <a:off x="2667000" y="6356350"/>
+            <a:ext cx="4284862" cy="365125"/>
+          </a:xfrm>
+        </p:spPr>
+        <p:txBody>
+          <a:bodyPr/>
+          <a:lstStyle/>
+          <a:p>
+            <a:r>
+              <a:rPr lang="en-US" dirty="0" smtClean="0"/>
+              <a:t>https://www.nasdanika.org/home/products/html/index.html</a:t>
             </a:r>
             <a:endParaRPr lang="en-US" dirty="0"/>
           </a:p>
@@ -5015,13 +5032,8 @@
           <a:p>
             <a:r>
               <a:rPr lang="en-US" dirty="0" smtClean="0"/>
-              <a:t>Fluent Java API </a:t>
-            </a:r>
-            <a:r>
-              <a:rPr lang="en-US" dirty="0" smtClean="0"/>
-              <a:t>for building:</a:t>
-            </a:r>
-            <a:endParaRPr lang="en-US" dirty="0" smtClean="0"/>
+              <a:t>Fluent Java API for building:</a:t>
+            </a:r>
           </a:p>
           <a:p>
             <a:pPr lvl="1"/>
@@ -5034,26 +5046,14 @@
             <a:pPr lvl="1"/>
             <a:r>
               <a:rPr lang="en-US" dirty="0" smtClean="0"/>
-              <a:t>Mid </a:t>
-            </a:r>
-            <a:r>
-              <a:rPr lang="en-US" dirty="0" smtClean="0"/>
-              <a:t>level: </a:t>
+              <a:t>Mid level: </a:t>
             </a:r>
           </a:p>
           <a:p>
             <a:pPr lvl="2"/>
             <a:r>
               <a:rPr lang="en-US" dirty="0" smtClean="0"/>
-              <a:t>Bootstrap </a:t>
-            </a:r>
-            <a:r>
-              <a:rPr lang="en-US" dirty="0" smtClean="0"/>
-              <a:t>4.x UI elements </a:t>
-            </a:r>
-            <a:r>
-              <a:rPr lang="en-US" dirty="0" smtClean="0"/>
-              <a:t>and 21 </a:t>
+              <a:t>Bootstrap 4.x UI elements and 21 </a:t>
             </a:r>
             <a:r>
               <a:rPr lang="en-US" dirty="0" err="1" smtClean="0"/>
@@ -5061,25 +5061,15 @@
             </a:r>
             <a:r>
               <a:rPr lang="en-US" dirty="0" smtClean="0"/>
-              <a:t> themes</a:t>
-            </a:r>
-            <a:r>
-              <a:rPr lang="en-US" dirty="0" smtClean="0"/>
-              <a:t> </a:t>
-            </a:r>
-            <a:endParaRPr lang="en-US" dirty="0" smtClean="0"/>
+              <a:t> themes </a:t>
+            </a:r>
           </a:p>
           <a:p>
             <a:pPr lvl="2"/>
             <a:r>
               <a:rPr lang="en-US" dirty="0" smtClean="0"/>
-              <a:t>Font Awesome </a:t>
-            </a:r>
-            <a:r>
-              <a:rPr lang="en-US" dirty="0" smtClean="0"/>
-              <a:t>5.x icons</a:t>
-            </a:r>
-            <a:endParaRPr lang="en-US" dirty="0" smtClean="0"/>
+              <a:t>Font Awesome 5.x icons</a:t>
+            </a:r>
           </a:p>
           <a:p>
             <a:pPr lvl="2"/>
@@ -5102,7 +5092,6 @@
               <a:rPr lang="en-US" dirty="0" smtClean="0"/>
               <a:t> 3.4.x </a:t>
             </a:r>
-            <a:endParaRPr lang="en-US" dirty="0" smtClean="0"/>
           </a:p>
           <a:p>
             <a:pPr lvl="1"/>
@@ -5148,7 +5137,6 @@
               <a:rPr lang="en-US" dirty="0" smtClean="0"/>
               <a:t>Jars - Maven repository (excluding EMF)</a:t>
             </a:r>
-            <a:endParaRPr lang="en-US" dirty="0" smtClean="0"/>
           </a:p>
         </p:txBody>
       </p:sp>
@@ -5167,7 +5155,7 @@
           <a:bodyPr/>
           <a:lstStyle/>
           <a:p>
-            <a:fld id="{DB88AA45-6785-434E-BECC-E72C93E78C05}" type="datetime1">
+            <a:fld id="{30B7CE25-C2DE-4951-91F7-B421A2B71714}" type="datetime1">
               <a:rPr lang="en-US" smtClean="0"/>
               <a:t>2/18/2019</a:t>
             </a:fld>
@@ -5209,14 +5197,19 @@
             <p:ph type="ftr" sz="quarter" idx="11"/>
           </p:nvPr>
         </p:nvSpPr>
-        <p:spPr/>
-        <p:txBody>
-          <a:bodyPr/>
-          <a:lstStyle/>
-          <a:p>
-            <a:r>
-              <a:rPr lang="en-US" dirty="0" smtClean="0"/>
-              <a:t>https://www.nasdanka.org/home/products/html</a:t>
+        <p:spPr>
+          <a:xfrm>
+            <a:off x="2667000" y="6356350"/>
+            <a:ext cx="4521032" cy="365125"/>
+          </a:xfrm>
+        </p:spPr>
+        <p:txBody>
+          <a:bodyPr/>
+          <a:lstStyle/>
+          <a:p>
+            <a:r>
+              <a:rPr lang="en-US" dirty="0" smtClean="0"/>
+              <a:t>https://www.nasdanika.org/home/products/html/index.html</a:t>
             </a:r>
             <a:endParaRPr lang="en-US" dirty="0"/>
           </a:p>
@@ -5412,7 +5405,7 @@
           <a:bodyPr/>
           <a:lstStyle/>
           <a:p>
-            <a:fld id="{E3DED6D6-FCC4-466B-BA58-C309E4139051}" type="datetime1">
+            <a:fld id="{5D87A24F-A2BB-473B-B8CE-A299EFEC9984}" type="datetime1">
               <a:rPr lang="en-US" smtClean="0"/>
               <a:t>2/18/2019</a:t>
             </a:fld>
@@ -5430,14 +5423,19 @@
             <p:ph type="ftr" sz="quarter" idx="11"/>
           </p:nvPr>
         </p:nvSpPr>
-        <p:spPr/>
-        <p:txBody>
-          <a:bodyPr/>
-          <a:lstStyle/>
-          <a:p>
-            <a:r>
-              <a:rPr lang="en-US" smtClean="0"/>
-              <a:t>https://www.nasdanka.org/products/html</a:t>
+        <p:spPr>
+          <a:xfrm>
+            <a:off x="2666999" y="6356350"/>
+            <a:ext cx="4726923" cy="365125"/>
+          </a:xfrm>
+        </p:spPr>
+        <p:txBody>
+          <a:bodyPr/>
+          <a:lstStyle/>
+          <a:p>
+            <a:r>
+              <a:rPr lang="en-US" dirty="0" smtClean="0"/>
+              <a:t>https://www.nasdanika.org/home/products/html/index.html</a:t>
             </a:r>
             <a:endParaRPr lang="en-US" dirty="0"/>
           </a:p>
@@ -5688,20 +5686,14 @@
           <a:p>
             <a:r>
               <a:rPr lang="en-US" dirty="0" smtClean="0"/>
-              <a:t>API for building </a:t>
-            </a:r>
-            <a:r>
-              <a:rPr lang="en-US" dirty="0" smtClean="0"/>
-              <a:t>Bootstrap 4 elements</a:t>
-            </a:r>
-            <a:endParaRPr lang="en-US" dirty="0" smtClean="0"/>
+              <a:t>API for building Bootstrap 4 elements</a:t>
+            </a:r>
           </a:p>
           <a:p>
             <a:r>
               <a:rPr lang="en-US" dirty="0" smtClean="0"/>
               <a:t>Built on HTML</a:t>
             </a:r>
-            <a:endParaRPr lang="en-US" dirty="0" smtClean="0"/>
           </a:p>
           <a:p>
             <a:r>
@@ -5725,34 +5717,20 @@
             <a:pPr lvl="1"/>
             <a:r>
               <a:rPr lang="en-US" dirty="0" smtClean="0"/>
-              <a:t>Create </a:t>
-            </a:r>
-            <a:r>
-              <a:rPr lang="en-US" dirty="0" smtClean="0"/>
-              <a:t>elements</a:t>
-            </a:r>
-            <a:endParaRPr lang="en-US" dirty="0" smtClean="0"/>
+              <a:t>Create elements</a:t>
+            </a:r>
           </a:p>
           <a:p>
             <a:pPr lvl="1"/>
             <a:r>
               <a:rPr lang="en-US" dirty="0" smtClean="0"/>
-              <a:t>Configure  the </a:t>
-            </a:r>
-            <a:r>
-              <a:rPr lang="en-US" dirty="0" smtClean="0"/>
-              <a:t>elements</a:t>
-            </a:r>
-            <a:endParaRPr lang="en-US" dirty="0" smtClean="0"/>
-          </a:p>
-          <a:p>
-            <a:r>
-              <a:rPr lang="en-US" dirty="0" smtClean="0"/>
-              <a:t>Output </a:t>
-            </a:r>
-            <a:r>
-              <a:rPr lang="en-US" dirty="0" smtClean="0"/>
-              <a:t>with </a:t>
+              <a:t>Configure  the elements</a:t>
+            </a:r>
+          </a:p>
+          <a:p>
+            <a:r>
+              <a:rPr lang="en-US" dirty="0" smtClean="0"/>
+              <a:t>Output with </a:t>
             </a:r>
             <a:r>
               <a:rPr lang="en-US" dirty="0" err="1" smtClean="0">
@@ -5777,14 +5755,7 @@
                 <a:latin typeface="Courier New" pitchFamily="49" charset="0"/>
                 <a:cs typeface="Courier New" pitchFamily="49" charset="0"/>
               </a:rPr>
-              <a:t>produce</a:t>
-            </a:r>
-            <a:r>
-              <a:rPr lang="en-US" dirty="0" smtClean="0">
-                <a:latin typeface="Courier New" pitchFamily="49" charset="0"/>
-                <a:cs typeface="Courier New" pitchFamily="49" charset="0"/>
-              </a:rPr>
-              <a:t>()</a:t>
+              <a:t>produce()</a:t>
             </a:r>
           </a:p>
           <a:p>
@@ -5792,7 +5763,6 @@
               <a:rPr lang="en-US" dirty="0" smtClean="0"/>
               <a:t>Fallback to HTML API’s when needed</a:t>
             </a:r>
-            <a:endParaRPr lang="en-US" dirty="0" smtClean="0"/>
           </a:p>
           <a:p>
             <a:endParaRPr lang="en-US" dirty="0"/>
@@ -5814,7 +5784,7 @@
           <a:bodyPr/>
           <a:lstStyle/>
           <a:p>
-            <a:fld id="{E3DED6D6-FCC4-466B-BA58-C309E4139051}" type="datetime1">
+            <a:fld id="{91E4BA3B-29BD-4451-A876-E8BE74FE07B6}" type="datetime1">
               <a:rPr lang="en-US" smtClean="0"/>
               <a:t>2/18/2019</a:t>
             </a:fld>
@@ -5832,14 +5802,19 @@
             <p:ph type="ftr" sz="quarter" idx="11"/>
           </p:nvPr>
         </p:nvSpPr>
-        <p:spPr/>
-        <p:txBody>
-          <a:bodyPr/>
-          <a:lstStyle/>
-          <a:p>
-            <a:r>
-              <a:rPr lang="en-US" smtClean="0"/>
-              <a:t>https://www.nasdanka.org/products/html</a:t>
+        <p:spPr>
+          <a:xfrm>
+            <a:off x="2666999" y="6356350"/>
+            <a:ext cx="5023649" cy="365125"/>
+          </a:xfrm>
+        </p:spPr>
+        <p:txBody>
+          <a:bodyPr/>
+          <a:lstStyle/>
+          <a:p>
+            <a:r>
+              <a:rPr lang="en-US" dirty="0" smtClean="0"/>
+              <a:t>https://www.nasdanika.org/home/products/html/index.html</a:t>
             </a:r>
             <a:endParaRPr lang="en-US" dirty="0"/>
           </a:p>
@@ -6085,7 +6060,7 @@
           <a:bodyPr/>
           <a:lstStyle/>
           <a:p>
-            <a:fld id="{E3DED6D6-FCC4-466B-BA58-C309E4139051}" type="datetime1">
+            <a:fld id="{0B029AE1-E897-48BE-8E52-C0A2A8F1B33B}" type="datetime1">
               <a:rPr lang="en-US" smtClean="0"/>
               <a:t>2/18/2019</a:t>
             </a:fld>
@@ -6103,14 +6078,19 @@
             <p:ph type="ftr" sz="quarter" idx="11"/>
           </p:nvPr>
         </p:nvSpPr>
-        <p:spPr/>
-        <p:txBody>
-          <a:bodyPr/>
-          <a:lstStyle/>
-          <a:p>
-            <a:r>
-              <a:rPr lang="en-US" smtClean="0"/>
-              <a:t>https://www.nasdanka.org/products/html</a:t>
+        <p:spPr>
+          <a:xfrm>
+            <a:off x="2666999" y="6356350"/>
+            <a:ext cx="4623977" cy="365125"/>
+          </a:xfrm>
+        </p:spPr>
+        <p:txBody>
+          <a:bodyPr/>
+          <a:lstStyle/>
+          <a:p>
+            <a:r>
+              <a:rPr lang="en-US" dirty="0" smtClean="0"/>
+              <a:t>https://www.nasdanika.org/home/products/html/index.html</a:t>
             </a:r>
             <a:endParaRPr lang="en-US" dirty="0"/>
           </a:p>
@@ -6164,20 +6144,14 @@
           <a:p>
             <a:r>
               <a:rPr lang="en-US" dirty="0" smtClean="0"/>
-              <a:t>API for building </a:t>
-            </a:r>
-            <a:r>
-              <a:rPr lang="en-US" dirty="0" smtClean="0"/>
-              <a:t>Font Awesome 5 icons</a:t>
-            </a:r>
-            <a:endParaRPr lang="en-US" dirty="0" smtClean="0"/>
+              <a:t>API for building Font Awesome 5 icons</a:t>
+            </a:r>
           </a:p>
           <a:p>
             <a:r>
               <a:rPr lang="en-US" dirty="0" smtClean="0"/>
               <a:t>Built on HTML</a:t>
             </a:r>
-            <a:endParaRPr lang="en-US" dirty="0" smtClean="0"/>
           </a:p>
           <a:p>
             <a:r>
@@ -6201,34 +6175,20 @@
             <a:pPr lvl="1"/>
             <a:r>
               <a:rPr lang="en-US" dirty="0" smtClean="0"/>
-              <a:t>Create </a:t>
-            </a:r>
-            <a:r>
-              <a:rPr lang="en-US" dirty="0" smtClean="0"/>
-              <a:t>icons</a:t>
-            </a:r>
-            <a:endParaRPr lang="en-US" dirty="0" smtClean="0"/>
+              <a:t>Create icons</a:t>
+            </a:r>
           </a:p>
           <a:p>
             <a:pPr lvl="1"/>
             <a:r>
               <a:rPr lang="en-US" dirty="0" smtClean="0"/>
-              <a:t>Configure  the </a:t>
-            </a:r>
-            <a:r>
-              <a:rPr lang="en-US" dirty="0" smtClean="0"/>
-              <a:t>icons</a:t>
-            </a:r>
-            <a:endParaRPr lang="en-US" dirty="0" smtClean="0"/>
-          </a:p>
-          <a:p>
-            <a:r>
-              <a:rPr lang="en-US" dirty="0" smtClean="0"/>
-              <a:t>Output </a:t>
-            </a:r>
-            <a:r>
-              <a:rPr lang="en-US" dirty="0" smtClean="0"/>
-              <a:t>with </a:t>
+              <a:t>Configure  the icons</a:t>
+            </a:r>
+          </a:p>
+          <a:p>
+            <a:r>
+              <a:rPr lang="en-US" dirty="0" smtClean="0"/>
+              <a:t>Output with </a:t>
             </a:r>
             <a:r>
               <a:rPr lang="en-US" dirty="0" err="1" smtClean="0">
@@ -6248,10 +6208,6 @@
               <a:rPr lang="en-US" dirty="0" smtClean="0"/>
               <a:t> </a:t>
             </a:r>
-            <a:r>
-              <a:rPr lang="en-US" dirty="0" smtClean="0"/>
-              <a:t/>
-            </a:r>
             <a:br>
               <a:rPr lang="en-US" dirty="0" smtClean="0"/>
             </a:br>
@@ -6264,14 +6220,7 @@
                 <a:latin typeface="Courier New" pitchFamily="49" charset="0"/>
                 <a:cs typeface="Courier New" pitchFamily="49" charset="0"/>
               </a:rPr>
-              <a:t>produce</a:t>
-            </a:r>
-            <a:r>
-              <a:rPr lang="en-US" dirty="0" smtClean="0">
-                <a:latin typeface="Courier New" pitchFamily="49" charset="0"/>
-                <a:cs typeface="Courier New" pitchFamily="49" charset="0"/>
-              </a:rPr>
-              <a:t>()</a:t>
+              <a:t>produce()</a:t>
             </a:r>
           </a:p>
           <a:p>
@@ -6279,7 +6228,6 @@
               <a:rPr lang="en-US" dirty="0" smtClean="0"/>
               <a:t>Fallback to HTML API’s when needed</a:t>
             </a:r>
-            <a:endParaRPr lang="en-US" dirty="0" smtClean="0"/>
           </a:p>
           <a:p>
             <a:pPr>
@@ -6516,18 +6464,12 @@
               <a:rPr lang="en-US" dirty="0" smtClean="0"/>
               <a:t> nodes and context menus</a:t>
             </a:r>
-            <a:endParaRPr lang="en-US" dirty="0" smtClean="0"/>
-          </a:p>
-          <a:p>
-            <a:r>
-              <a:rPr lang="en-US" dirty="0" smtClean="0"/>
-              <a:t>Built on </a:t>
-            </a:r>
-            <a:r>
-              <a:rPr lang="en-US" dirty="0" smtClean="0"/>
-              <a:t>HTML</a:t>
-            </a:r>
-            <a:endParaRPr lang="en-US" dirty="0" smtClean="0"/>
+          </a:p>
+          <a:p>
+            <a:r>
+              <a:rPr lang="en-US" dirty="0" smtClean="0"/>
+              <a:t>Built on HTML</a:t>
+            </a:r>
           </a:p>
           <a:p>
             <a:r>
@@ -6551,34 +6493,20 @@
             <a:pPr lvl="1"/>
             <a:r>
               <a:rPr lang="en-US" dirty="0" smtClean="0"/>
-              <a:t>Create </a:t>
-            </a:r>
-            <a:r>
-              <a:rPr lang="en-US" dirty="0" smtClean="0"/>
-              <a:t>nodes and menus</a:t>
-            </a:r>
-            <a:endParaRPr lang="en-US" dirty="0" smtClean="0"/>
+              <a:t>Create nodes and menus</a:t>
+            </a:r>
           </a:p>
           <a:p>
             <a:pPr lvl="1"/>
             <a:r>
               <a:rPr lang="en-US" dirty="0" smtClean="0"/>
-              <a:t>Configure  </a:t>
-            </a:r>
-            <a:r>
-              <a:rPr lang="en-US" dirty="0" smtClean="0"/>
-              <a:t>the nodes and menus</a:t>
-            </a:r>
-            <a:endParaRPr lang="en-US" dirty="0" smtClean="0"/>
-          </a:p>
-          <a:p>
-            <a:r>
-              <a:rPr lang="en-US" dirty="0" smtClean="0"/>
-              <a:t>Output </a:t>
-            </a:r>
-            <a:r>
-              <a:rPr lang="en-US" dirty="0" smtClean="0"/>
-              <a:t>to JSON</a:t>
+              <a:t>Configure  the nodes and menus</a:t>
+            </a:r>
+          </a:p>
+          <a:p>
+            <a:r>
+              <a:rPr lang="en-US" dirty="0" smtClean="0"/>
+              <a:t>Output to JSON</a:t>
             </a:r>
             <a:endParaRPr lang="en-US" dirty="0" smtClean="0">
               <a:latin typeface="Courier New" pitchFamily="49" charset="0"/>
@@ -6602,7 +6530,7 @@
           <a:bodyPr/>
           <a:lstStyle/>
           <a:p>
-            <a:fld id="{E3DED6D6-FCC4-466B-BA58-C309E4139051}" type="datetime1">
+            <a:fld id="{2FC1517D-6454-4B51-956F-63E9CE29F372}" type="datetime1">
               <a:rPr lang="en-US" smtClean="0"/>
               <a:t>2/18/2019</a:t>
             </a:fld>
@@ -6620,14 +6548,19 @@
             <p:ph type="ftr" sz="quarter" idx="11"/>
           </p:nvPr>
         </p:nvSpPr>
-        <p:spPr/>
-        <p:txBody>
-          <a:bodyPr/>
-          <a:lstStyle/>
-          <a:p>
-            <a:r>
-              <a:rPr lang="en-US" smtClean="0"/>
-              <a:t>https://www.nasdanka.org/products/html</a:t>
+        <p:spPr>
+          <a:xfrm>
+            <a:off x="2667000" y="6356350"/>
+            <a:ext cx="4248528" cy="365125"/>
+          </a:xfrm>
+        </p:spPr>
+        <p:txBody>
+          <a:bodyPr/>
+          <a:lstStyle/>
+          <a:p>
+            <a:r>
+              <a:rPr lang="en-US" dirty="0" smtClean="0"/>
+              <a:t>https://www.nasdanika.org/home/products/html/index.html</a:t>
             </a:r>
             <a:endParaRPr lang="en-US" dirty="0"/>
           </a:p>
@@ -6812,18 +6745,12 @@
               <a:rPr lang="en-US" dirty="0" smtClean="0"/>
               <a:t> bindings</a:t>
             </a:r>
-            <a:endParaRPr lang="en-US" dirty="0" smtClean="0"/>
-          </a:p>
-          <a:p>
-            <a:r>
-              <a:rPr lang="en-US" dirty="0" smtClean="0"/>
-              <a:t>Built on </a:t>
-            </a:r>
-            <a:r>
-              <a:rPr lang="en-US" dirty="0" smtClean="0"/>
-              <a:t>HTML</a:t>
-            </a:r>
-            <a:endParaRPr lang="en-US" dirty="0" smtClean="0"/>
+          </a:p>
+          <a:p>
+            <a:r>
+              <a:rPr lang="en-US" dirty="0" smtClean="0"/>
+              <a:t>Built on HTML</a:t>
+            </a:r>
           </a:p>
         </p:txBody>
       </p:sp>
@@ -6842,7 +6769,7 @@
           <a:bodyPr/>
           <a:lstStyle/>
           <a:p>
-            <a:fld id="{E3DED6D6-FCC4-466B-BA58-C309E4139051}" type="datetime1">
+            <a:fld id="{5442F966-785C-4252-A070-511E57F616FC}" type="datetime1">
               <a:rPr lang="en-US" smtClean="0"/>
               <a:t>2/18/2019</a:t>
             </a:fld>
@@ -6860,14 +6787,19 @@
             <p:ph type="ftr" sz="quarter" idx="11"/>
           </p:nvPr>
         </p:nvSpPr>
-        <p:spPr/>
-        <p:txBody>
-          <a:bodyPr/>
-          <a:lstStyle/>
-          <a:p>
-            <a:r>
-              <a:rPr lang="en-US" smtClean="0"/>
-              <a:t>https://www.nasdanka.org/products/html</a:t>
+        <p:spPr>
+          <a:xfrm>
+            <a:off x="2666999" y="6356350"/>
+            <a:ext cx="4278807" cy="365125"/>
+          </a:xfrm>
+        </p:spPr>
+        <p:txBody>
+          <a:bodyPr/>
+          <a:lstStyle/>
+          <a:p>
+            <a:r>
+              <a:rPr lang="en-US" dirty="0" smtClean="0"/>
+              <a:t>https://www.nasdanika.org/home/products/html/index.html</a:t>
             </a:r>
             <a:endParaRPr lang="en-US" dirty="0"/>
           </a:p>
@@ -7064,23 +6996,7 @@
           <a:p>
             <a:r>
               <a:rPr lang="en-US" dirty="0" smtClean="0"/>
-              <a:t>Subject </a:t>
-            </a:r>
-            <a:r>
-              <a:rPr lang="en-US" dirty="0" smtClean="0"/>
-              <a:t>- Verb </a:t>
-            </a:r>
-            <a:r>
-              <a:rPr lang="en-US" dirty="0" smtClean="0"/>
-              <a:t>– Object =&gt; User </a:t>
-            </a:r>
-            <a:r>
-              <a:rPr lang="en-US" dirty="0" smtClean="0"/>
-              <a:t>- Action - Property </a:t>
-            </a:r>
-            <a:r>
-              <a:rPr lang="en-US" dirty="0" smtClean="0"/>
-              <a:t>source:</a:t>
+              <a:t>Subject - Verb – Object =&gt; User - Action - Property source:</a:t>
             </a:r>
           </a:p>
           <a:p>
@@ -7147,7 +7063,6 @@
               <a:rPr lang="en-US" dirty="0" smtClean="0"/>
               <a:t>If it can be articulated, it can be automated</a:t>
             </a:r>
-            <a:endParaRPr lang="en-US" dirty="0" smtClean="0"/>
           </a:p>
           <a:p>
             <a:endParaRPr lang="en-US" dirty="0"/>
@@ -7169,7 +7084,7 @@
           <a:bodyPr/>
           <a:lstStyle/>
           <a:p>
-            <a:fld id="{E3DED6D6-FCC4-466B-BA58-C309E4139051}" type="datetime1">
+            <a:fld id="{1F6C5535-E64E-4962-9D3C-0A437E2012AD}" type="datetime1">
               <a:rPr lang="en-US" smtClean="0"/>
               <a:t>2/18/2019</a:t>
             </a:fld>
@@ -7187,14 +7102,19 @@
             <p:ph type="ftr" sz="quarter" idx="11"/>
           </p:nvPr>
         </p:nvSpPr>
-        <p:spPr/>
-        <p:txBody>
-          <a:bodyPr/>
-          <a:lstStyle/>
-          <a:p>
-            <a:r>
-              <a:rPr lang="en-US" smtClean="0"/>
-              <a:t>https://www.nasdanka.org/products/html</a:t>
+        <p:spPr>
+          <a:xfrm>
+            <a:off x="2667000" y="6356350"/>
+            <a:ext cx="4478642" cy="365125"/>
+          </a:xfrm>
+        </p:spPr>
+        <p:txBody>
+          <a:bodyPr/>
+          <a:lstStyle/>
+          <a:p>
+            <a:r>
+              <a:rPr lang="en-US" dirty="0" smtClean="0"/>
+              <a:t>https://www.nasdanika.org/home/products/html/index.html</a:t>
             </a:r>
             <a:endParaRPr lang="en-US" dirty="0"/>
           </a:p>
@@ -7361,7 +7281,6 @@
               <a:rPr lang="en-US" dirty="0" smtClean="0"/>
               <a:t> – provides common generation methods and access to factories</a:t>
             </a:r>
-            <a:endParaRPr lang="en-US" dirty="0" smtClean="0"/>
           </a:p>
           <a:p>
             <a:endParaRPr lang="en-US" dirty="0"/>
@@ -7383,7 +7302,7 @@
           <a:bodyPr/>
           <a:lstStyle/>
           <a:p>
-            <a:fld id="{E3DED6D6-FCC4-466B-BA58-C309E4139051}" type="datetime1">
+            <a:fld id="{7FFC5144-B85A-4FBB-8599-2FDBC35266DE}" type="datetime1">
               <a:rPr lang="en-US" smtClean="0"/>
               <a:t>2/18/2019</a:t>
             </a:fld>
@@ -7401,14 +7320,19 @@
             <p:ph type="ftr" sz="quarter" idx="11"/>
           </p:nvPr>
         </p:nvSpPr>
-        <p:spPr/>
-        <p:txBody>
-          <a:bodyPr/>
-          <a:lstStyle/>
-          <a:p>
-            <a:r>
-              <a:rPr lang="en-US" smtClean="0"/>
-              <a:t>https://www.nasdanka.org/products/html</a:t>
+        <p:spPr>
+          <a:xfrm>
+            <a:off x="2666999" y="6356350"/>
+            <a:ext cx="4466531" cy="365125"/>
+          </a:xfrm>
+        </p:spPr>
+        <p:txBody>
+          <a:bodyPr/>
+          <a:lstStyle/>
+          <a:p>
+            <a:r>
+              <a:rPr lang="en-US" dirty="0" smtClean="0"/>
+              <a:t>https://www.nasdanika.org/home/products/html/index.html</a:t>
             </a:r>
             <a:endParaRPr lang="en-US" dirty="0"/>
           </a:p>

--- a/repository/src/site/resources/Nasdanika-HTML.pptx
+++ b/repository/src/site/resources/Nasdanika-HTML.pptx
@@ -118,7 +118,7 @@
   </p:defaultTextStyle>
   <p:extLst>
     <p:ext uri="{EFAFB233-063F-42B5-8137-9DF3F51BA10A}">
-      <p15:sldGuideLst xmlns="" xmlns:p15="http://schemas.microsoft.com/office/powerpoint/2012/main">
+      <p15:sldGuideLst xmlns:p15="http://schemas.microsoft.com/office/powerpoint/2012/main" xmlns="">
         <p15:guide id="1" orient="horz" pos="2160">
           <p15:clr>
             <a:srgbClr val="A4A3A4"/>
@@ -218,7 +218,7 @@
             <a:fld id="{7C8337F5-D202-444F-ACB7-E30DDEF66A80}" type="datetimeFigureOut">
               <a:rPr lang="en-US" smtClean="0"/>
               <a:pPr/>
-              <a:t>2/18/2019</a:t>
+              <a:t>2/19/2019</a:t>
             </a:fld>
             <a:endParaRPr lang="en-US"/>
           </a:p>
@@ -657,7 +657,8 @@
           <a:p>
             <a:fld id="{973C4BCA-08D2-4CA8-B1E3-197077574A8E}" type="datetime1">
               <a:rPr lang="en-US" smtClean="0"/>
-              <a:t>2/18/2019</a:t>
+              <a:pPr/>
+              <a:t>2/19/2019</a:t>
             </a:fld>
             <a:endParaRPr lang="en-US"/>
           </a:p>
@@ -832,7 +833,8 @@
           <a:p>
             <a:fld id="{8B0DE5C2-E71F-48B9-B5FA-4397448A1927}" type="datetime1">
               <a:rPr lang="en-US" smtClean="0"/>
-              <a:t>2/18/2019</a:t>
+              <a:pPr/>
+              <a:t>2/19/2019</a:t>
             </a:fld>
             <a:endParaRPr lang="en-US"/>
           </a:p>
@@ -1012,7 +1014,8 @@
           <a:p>
             <a:fld id="{FD419A60-239A-450E-925F-8FC52B7D7C5A}" type="datetime1">
               <a:rPr lang="en-US" smtClean="0"/>
-              <a:t>2/18/2019</a:t>
+              <a:pPr/>
+              <a:t>2/19/2019</a:t>
             </a:fld>
             <a:endParaRPr lang="en-US"/>
           </a:p>
@@ -1216,7 +1219,8 @@
           <a:p>
             <a:fld id="{1EE53D70-32C6-4CF9-A4F6-B2191D9D330B}" type="datetime1">
               <a:rPr lang="en-US" smtClean="0"/>
-              <a:t>2/18/2019</a:t>
+              <a:pPr/>
+              <a:t>2/19/2019</a:t>
             </a:fld>
             <a:endParaRPr lang="en-US" dirty="0"/>
           </a:p>
@@ -1463,7 +1467,8 @@
           <a:p>
             <a:fld id="{0839DC55-7C8E-45AC-ABF3-3FCA4447D029}" type="datetime1">
               <a:rPr lang="en-US" smtClean="0"/>
-              <a:t>2/18/2019</a:t>
+              <a:pPr/>
+              <a:t>2/19/2019</a:t>
             </a:fld>
             <a:endParaRPr lang="en-US"/>
           </a:p>
@@ -1732,7 +1737,8 @@
           <a:p>
             <a:fld id="{4BE8A98D-D9E0-4D2C-A472-5FB776D74598}" type="datetime1">
               <a:rPr lang="en-US" smtClean="0"/>
-              <a:t>2/18/2019</a:t>
+              <a:pPr/>
+              <a:t>2/19/2019</a:t>
             </a:fld>
             <a:endParaRPr lang="en-US"/>
           </a:p>
@@ -2115,7 +2121,8 @@
           <a:p>
             <a:fld id="{817C1654-FADF-44DC-ADCE-4E0BE626F38D}" type="datetime1">
               <a:rPr lang="en-US" smtClean="0"/>
-              <a:t>2/18/2019</a:t>
+              <a:pPr/>
+              <a:t>2/19/2019</a:t>
             </a:fld>
             <a:endParaRPr lang="en-US"/>
           </a:p>
@@ -2270,7 +2277,8 @@
           <a:p>
             <a:fld id="{6CB0A448-83EE-48DD-8372-5CD1DDAFA900}" type="datetime1">
               <a:rPr lang="en-US" smtClean="0"/>
-              <a:t>2/18/2019</a:t>
+              <a:pPr/>
+              <a:t>2/19/2019</a:t>
             </a:fld>
             <a:endParaRPr lang="en-US"/>
           </a:p>
@@ -2365,7 +2373,8 @@
           <a:p>
             <a:fld id="{ED20EAE7-5D8A-45FC-A0A0-3B54D025C053}" type="datetime1">
               <a:rPr lang="en-US" smtClean="0"/>
-              <a:t>2/18/2019</a:t>
+              <a:pPr/>
+              <a:t>2/19/2019</a:t>
             </a:fld>
             <a:endParaRPr lang="en-US"/>
           </a:p>
@@ -2631,7 +2640,8 @@
           <a:p>
             <a:fld id="{B0D209B0-BD42-45C1-B9FE-4A1FDA2C3CF0}" type="datetime1">
               <a:rPr lang="en-US" smtClean="0"/>
-              <a:t>2/18/2019</a:t>
+              <a:pPr/>
+              <a:t>2/19/2019</a:t>
             </a:fld>
             <a:endParaRPr lang="en-US"/>
           </a:p>
@@ -2924,7 +2934,8 @@
           <a:p>
             <a:fld id="{B924CD1B-6C4E-41C6-A1E7-ED10A6FB6365}" type="datetime1">
               <a:rPr lang="en-US" smtClean="0"/>
-              <a:t>2/18/2019</a:t>
+              <a:pPr/>
+              <a:t>2/19/2019</a:t>
             </a:fld>
             <a:endParaRPr lang="en-US"/>
           </a:p>
@@ -3700,7 +3711,8 @@
           <a:p>
             <a:fld id="{C2F9BE2B-4E55-4228-8668-ED3CFA3258BF}" type="datetime1">
               <a:rPr lang="en-US" smtClean="0"/>
-              <a:t>2/18/2019</a:t>
+              <a:pPr/>
+              <a:t>2/19/2019</a:t>
             </a:fld>
             <a:endParaRPr lang="en-US"/>
           </a:p>
@@ -4470,7 +4482,8 @@
           <a:p>
             <a:fld id="{E5699493-5A06-4790-B435-5011A9418C44}" type="datetime1">
               <a:rPr lang="en-US" smtClean="0"/>
-              <a:t>2/18/2019</a:t>
+              <a:pPr/>
+              <a:t>2/19/2019</a:t>
             </a:fld>
             <a:endParaRPr lang="en-US"/>
           </a:p>
@@ -4641,7 +4654,8 @@
           <a:p>
             <a:fld id="{DA9C945D-B86E-4068-BB7B-2DBFABE9C9E1}" type="datetime1">
               <a:rPr lang="en-US" smtClean="0"/>
-              <a:t>2/18/2019</a:t>
+              <a:pPr/>
+              <a:t>2/19/2019</a:t>
             </a:fld>
             <a:endParaRPr lang="en-US" dirty="0"/>
           </a:p>
@@ -4699,40 +4713,6 @@
           </a:p>
         </p:txBody>
       </p:sp>
-      <p:pic>
-        <p:nvPicPr>
-          <p:cNvPr id="7170" name="Picture 2"/>
-          <p:cNvPicPr>
-            <a:picLocks noChangeAspect="1" noChangeArrowheads="1"/>
-          </p:cNvPicPr>
-          <p:nvPr/>
-        </p:nvPicPr>
-        <p:blipFill>
-          <a:blip r:embed="rId2" cstate="print"/>
-          <a:srcRect/>
-          <a:stretch>
-            <a:fillRect/>
-          </a:stretch>
-        </p:blipFill>
-        <p:spPr bwMode="auto">
-          <a:xfrm>
-            <a:off x="6158228" y="869061"/>
-            <a:ext cx="2643826" cy="5580507"/>
-          </a:xfrm>
-          <a:prstGeom prst="rect">
-            <a:avLst/>
-          </a:prstGeom>
-          <a:noFill/>
-          <a:ln w="9525">
-            <a:solidFill>
-              <a:schemeClr val="accent1"/>
-            </a:solidFill>
-            <a:miter lim="800000"/>
-            <a:headEnd/>
-            <a:tailEnd/>
-          </a:ln>
-        </p:spPr>
-      </p:pic>
       <p:pic>
         <p:nvPicPr>
           <p:cNvPr id="7172" name="Picture 4"/>
@@ -4742,7 +4722,7 @@
           <p:nvPr/>
         </p:nvPicPr>
         <p:blipFill>
-          <a:blip r:embed="rId3" cstate="print"/>
+          <a:blip r:embed="rId2" cstate="print"/>
           <a:srcRect/>
           <a:stretch>
             <a:fillRect/>
@@ -4872,7 +4852,7 @@
           <p:nvPr/>
         </p:nvPicPr>
         <p:blipFill>
-          <a:blip r:embed="rId4" cstate="print"/>
+          <a:blip r:embed="rId3" cstate="print"/>
           <a:srcRect/>
           <a:stretch>
             <a:fillRect/>
@@ -4960,6 +4940,40 @@
           </a:p>
         </p:txBody>
       </p:sp>
+      <p:pic>
+        <p:nvPicPr>
+          <p:cNvPr id="1026" name="Picture 2"/>
+          <p:cNvPicPr>
+            <a:picLocks noChangeAspect="1" noChangeArrowheads="1"/>
+          </p:cNvPicPr>
+          <p:nvPr/>
+        </p:nvPicPr>
+        <p:blipFill>
+          <a:blip r:embed="rId4" cstate="print"/>
+          <a:srcRect/>
+          <a:stretch>
+            <a:fillRect/>
+          </a:stretch>
+        </p:blipFill>
+        <p:spPr bwMode="auto">
+          <a:xfrm>
+            <a:off x="6255466" y="778690"/>
+            <a:ext cx="2722605" cy="5771923"/>
+          </a:xfrm>
+          <a:prstGeom prst="rect">
+            <a:avLst/>
+          </a:prstGeom>
+          <a:noFill/>
+          <a:ln w="9525">
+            <a:solidFill>
+              <a:schemeClr val="accent1"/>
+            </a:solidFill>
+            <a:miter lim="800000"/>
+            <a:headEnd/>
+            <a:tailEnd/>
+          </a:ln>
+        </p:spPr>
+      </p:pic>
     </p:spTree>
   </p:cSld>
   <p:clrMapOvr>
@@ -5157,7 +5171,8 @@
           <a:p>
             <a:fld id="{30B7CE25-C2DE-4951-91F7-B421A2B71714}" type="datetime1">
               <a:rPr lang="en-US" smtClean="0"/>
-              <a:t>2/18/2019</a:t>
+              <a:pPr/>
+              <a:t>2/19/2019</a:t>
             </a:fld>
             <a:endParaRPr lang="en-US" dirty="0"/>
           </a:p>
@@ -5407,7 +5422,8 @@
           <a:p>
             <a:fld id="{5D87A24F-A2BB-473B-B8CE-A299EFEC9984}" type="datetime1">
               <a:rPr lang="en-US" smtClean="0"/>
-              <a:t>2/18/2019</a:t>
+              <a:pPr/>
+              <a:t>2/19/2019</a:t>
             </a:fld>
             <a:endParaRPr lang="en-US" dirty="0"/>
           </a:p>
@@ -5786,7 +5802,8 @@
           <a:p>
             <a:fld id="{91E4BA3B-29BD-4451-A876-E8BE74FE07B6}" type="datetime1">
               <a:rPr lang="en-US" smtClean="0"/>
-              <a:t>2/18/2019</a:t>
+              <a:pPr/>
+              <a:t>2/19/2019</a:t>
             </a:fld>
             <a:endParaRPr lang="en-US" dirty="0"/>
           </a:p>
@@ -6062,7 +6079,8 @@
           <a:p>
             <a:fld id="{0B029AE1-E897-48BE-8E52-C0A2A8F1B33B}" type="datetime1">
               <a:rPr lang="en-US" smtClean="0"/>
-              <a:t>2/18/2019</a:t>
+              <a:pPr/>
+              <a:t>2/19/2019</a:t>
             </a:fld>
             <a:endParaRPr lang="en-US" dirty="0"/>
           </a:p>
@@ -6532,7 +6550,8 @@
           <a:p>
             <a:fld id="{2FC1517D-6454-4B51-956F-63E9CE29F372}" type="datetime1">
               <a:rPr lang="en-US" smtClean="0"/>
-              <a:t>2/18/2019</a:t>
+              <a:pPr/>
+              <a:t>2/19/2019</a:t>
             </a:fld>
             <a:endParaRPr lang="en-US" dirty="0"/>
           </a:p>
@@ -6771,7 +6790,8 @@
           <a:p>
             <a:fld id="{5442F966-785C-4252-A070-511E57F616FC}" type="datetime1">
               <a:rPr lang="en-US" smtClean="0"/>
-              <a:t>2/18/2019</a:t>
+              <a:pPr/>
+              <a:t>2/19/2019</a:t>
             </a:fld>
             <a:endParaRPr lang="en-US" dirty="0"/>
           </a:p>
@@ -7086,7 +7106,8 @@
           <a:p>
             <a:fld id="{1F6C5535-E64E-4962-9D3C-0A437E2012AD}" type="datetime1">
               <a:rPr lang="en-US" smtClean="0"/>
-              <a:t>2/18/2019</a:t>
+              <a:pPr/>
+              <a:t>2/19/2019</a:t>
             </a:fld>
             <a:endParaRPr lang="en-US" dirty="0"/>
           </a:p>
@@ -7304,7 +7325,8 @@
           <a:p>
             <a:fld id="{7FFC5144-B85A-4FBB-8599-2FDBC35266DE}" type="datetime1">
               <a:rPr lang="en-US" smtClean="0"/>
-              <a:t>2/18/2019</a:t>
+              <a:pPr/>
+              <a:t>2/19/2019</a:t>
             </a:fld>
             <a:endParaRPr lang="en-US" dirty="0"/>
           </a:p>

--- a/repository/src/site/resources/Nasdanika-HTML.pptx
+++ b/repository/src/site/resources/Nasdanika-HTML.pptx
@@ -118,7 +118,7 @@
   </p:defaultTextStyle>
   <p:extLst>
     <p:ext uri="{EFAFB233-063F-42B5-8137-9DF3F51BA10A}">
-      <p15:sldGuideLst xmlns:p15="http://schemas.microsoft.com/office/powerpoint/2012/main" xmlns="">
+      <p15:sldGuideLst xmlns="" xmlns:p15="http://schemas.microsoft.com/office/powerpoint/2012/main">
         <p15:guide id="1" orient="horz" pos="2160">
           <p15:clr>
             <a:srgbClr val="A4A3A4"/>
@@ -218,7 +218,7 @@
             <a:fld id="{7C8337F5-D202-444F-ACB7-E30DDEF66A80}" type="datetimeFigureOut">
               <a:rPr lang="en-US" smtClean="0"/>
               <a:pPr/>
-              <a:t>2/19/2019</a:t>
+              <a:t>3/7/2019</a:t>
             </a:fld>
             <a:endParaRPr lang="en-US"/>
           </a:p>
@@ -658,7 +658,7 @@
             <a:fld id="{973C4BCA-08D2-4CA8-B1E3-197077574A8E}" type="datetime1">
               <a:rPr lang="en-US" smtClean="0"/>
               <a:pPr/>
-              <a:t>2/19/2019</a:t>
+              <a:t>3/7/2019</a:t>
             </a:fld>
             <a:endParaRPr lang="en-US"/>
           </a:p>
@@ -834,7 +834,7 @@
             <a:fld id="{8B0DE5C2-E71F-48B9-B5FA-4397448A1927}" type="datetime1">
               <a:rPr lang="en-US" smtClean="0"/>
               <a:pPr/>
-              <a:t>2/19/2019</a:t>
+              <a:t>3/7/2019</a:t>
             </a:fld>
             <a:endParaRPr lang="en-US"/>
           </a:p>
@@ -1015,7 +1015,7 @@
             <a:fld id="{FD419A60-239A-450E-925F-8FC52B7D7C5A}" type="datetime1">
               <a:rPr lang="en-US" smtClean="0"/>
               <a:pPr/>
-              <a:t>2/19/2019</a:t>
+              <a:t>3/7/2019</a:t>
             </a:fld>
             <a:endParaRPr lang="en-US"/>
           </a:p>
@@ -1220,7 +1220,7 @@
             <a:fld id="{1EE53D70-32C6-4CF9-A4F6-B2191D9D330B}" type="datetime1">
               <a:rPr lang="en-US" smtClean="0"/>
               <a:pPr/>
-              <a:t>2/19/2019</a:t>
+              <a:t>3/7/2019</a:t>
             </a:fld>
             <a:endParaRPr lang="en-US" dirty="0"/>
           </a:p>
@@ -1236,13 +1236,18 @@
             <p:ph type="ftr" sz="quarter" idx="11"/>
           </p:nvPr>
         </p:nvSpPr>
-        <p:spPr/>
-        <p:txBody>
-          <a:bodyPr/>
-          <a:lstStyle/>
-          <a:p>
-            <a:r>
-              <a:rPr lang="en-US" smtClean="0"/>
+        <p:spPr>
+          <a:xfrm>
+            <a:off x="2667000" y="6356350"/>
+            <a:ext cx="5166732" cy="365125"/>
+          </a:xfrm>
+        </p:spPr>
+        <p:txBody>
+          <a:bodyPr/>
+          <a:lstStyle/>
+          <a:p>
+            <a:r>
+              <a:rPr lang="en-US" dirty="0" smtClean="0"/>
               <a:t>https://www.nasdanika.org/home/products/html/index.html</a:t>
             </a:r>
             <a:endParaRPr lang="en-US" dirty="0"/>
@@ -1468,7 +1473,7 @@
             <a:fld id="{0839DC55-7C8E-45AC-ABF3-3FCA4447D029}" type="datetime1">
               <a:rPr lang="en-US" smtClean="0"/>
               <a:pPr/>
-              <a:t>2/19/2019</a:t>
+              <a:t>3/7/2019</a:t>
             </a:fld>
             <a:endParaRPr lang="en-US"/>
           </a:p>
@@ -1738,7 +1743,7 @@
             <a:fld id="{4BE8A98D-D9E0-4D2C-A472-5FB776D74598}" type="datetime1">
               <a:rPr lang="en-US" smtClean="0"/>
               <a:pPr/>
-              <a:t>2/19/2019</a:t>
+              <a:t>3/7/2019</a:t>
             </a:fld>
             <a:endParaRPr lang="en-US"/>
           </a:p>
@@ -2122,7 +2127,7 @@
             <a:fld id="{817C1654-FADF-44DC-ADCE-4E0BE626F38D}" type="datetime1">
               <a:rPr lang="en-US" smtClean="0"/>
               <a:pPr/>
-              <a:t>2/19/2019</a:t>
+              <a:t>3/7/2019</a:t>
             </a:fld>
             <a:endParaRPr lang="en-US"/>
           </a:p>
@@ -2278,7 +2283,7 @@
             <a:fld id="{6CB0A448-83EE-48DD-8372-5CD1DDAFA900}" type="datetime1">
               <a:rPr lang="en-US" smtClean="0"/>
               <a:pPr/>
-              <a:t>2/19/2019</a:t>
+              <a:t>3/7/2019</a:t>
             </a:fld>
             <a:endParaRPr lang="en-US"/>
           </a:p>
@@ -2374,7 +2379,7 @@
             <a:fld id="{ED20EAE7-5D8A-45FC-A0A0-3B54D025C053}" type="datetime1">
               <a:rPr lang="en-US" smtClean="0"/>
               <a:pPr/>
-              <a:t>2/19/2019</a:t>
+              <a:t>3/7/2019</a:t>
             </a:fld>
             <a:endParaRPr lang="en-US"/>
           </a:p>
@@ -2641,7 +2646,7 @@
             <a:fld id="{B0D209B0-BD42-45C1-B9FE-4A1FDA2C3CF0}" type="datetime1">
               <a:rPr lang="en-US" smtClean="0"/>
               <a:pPr/>
-              <a:t>2/19/2019</a:t>
+              <a:t>3/7/2019</a:t>
             </a:fld>
             <a:endParaRPr lang="en-US"/>
           </a:p>
@@ -2935,7 +2940,7 @@
             <a:fld id="{B924CD1B-6C4E-41C6-A1E7-ED10A6FB6365}" type="datetime1">
               <a:rPr lang="en-US" smtClean="0"/>
               <a:pPr/>
-              <a:t>2/19/2019</a:t>
+              <a:t>3/7/2019</a:t>
             </a:fld>
             <a:endParaRPr lang="en-US"/>
           </a:p>
@@ -3712,7 +3717,7 @@
             <a:fld id="{C2F9BE2B-4E55-4228-8668-ED3CFA3258BF}" type="datetime1">
               <a:rPr lang="en-US" smtClean="0"/>
               <a:pPr/>
-              <a:t>2/19/2019</a:t>
+              <a:t>3/7/2019</a:t>
             </a:fld>
             <a:endParaRPr lang="en-US"/>
           </a:p>
@@ -4483,7 +4488,7 @@
             <a:fld id="{E5699493-5A06-4790-B435-5011A9418C44}" type="datetime1">
               <a:rPr lang="en-US" smtClean="0"/>
               <a:pPr/>
-              <a:t>2/19/2019</a:t>
+              <a:t>3/7/2019</a:t>
             </a:fld>
             <a:endParaRPr lang="en-US"/>
           </a:p>
@@ -4655,7 +4660,7 @@
             <a:fld id="{DA9C945D-B86E-4068-BB7B-2DBFABE9C9E1}" type="datetime1">
               <a:rPr lang="en-US" smtClean="0"/>
               <a:pPr/>
-              <a:t>2/19/2019</a:t>
+              <a:t>3/7/2019</a:t>
             </a:fld>
             <a:endParaRPr lang="en-US" dirty="0"/>
           </a:p>
@@ -5172,7 +5177,7 @@
             <a:fld id="{30B7CE25-C2DE-4951-91F7-B421A2B71714}" type="datetime1">
               <a:rPr lang="en-US" smtClean="0"/>
               <a:pPr/>
-              <a:t>2/19/2019</a:t>
+              <a:t>3/7/2019</a:t>
             </a:fld>
             <a:endParaRPr lang="en-US" dirty="0"/>
           </a:p>
@@ -5423,7 +5428,7 @@
             <a:fld id="{5D87A24F-A2BB-473B-B8CE-A299EFEC9984}" type="datetime1">
               <a:rPr lang="en-US" smtClean="0"/>
               <a:pPr/>
-              <a:t>2/19/2019</a:t>
+              <a:t>3/7/2019</a:t>
             </a:fld>
             <a:endParaRPr lang="en-US" dirty="0"/>
           </a:p>
@@ -5803,7 +5808,7 @@
             <a:fld id="{91E4BA3B-29BD-4451-A876-E8BE74FE07B6}" type="datetime1">
               <a:rPr lang="en-US" smtClean="0"/>
               <a:pPr/>
-              <a:t>2/19/2019</a:t>
+              <a:t>3/7/2019</a:t>
             </a:fld>
             <a:endParaRPr lang="en-US" dirty="0"/>
           </a:p>
@@ -6080,7 +6085,7 @@
             <a:fld id="{0B029AE1-E897-48BE-8E52-C0A2A8F1B33B}" type="datetime1">
               <a:rPr lang="en-US" smtClean="0"/>
               <a:pPr/>
-              <a:t>2/19/2019</a:t>
+              <a:t>3/7/2019</a:t>
             </a:fld>
             <a:endParaRPr lang="en-US" dirty="0"/>
           </a:p>
@@ -6551,7 +6556,7 @@
             <a:fld id="{2FC1517D-6454-4B51-956F-63E9CE29F372}" type="datetime1">
               <a:rPr lang="en-US" smtClean="0"/>
               <a:pPr/>
-              <a:t>2/19/2019</a:t>
+              <a:t>3/7/2019</a:t>
             </a:fld>
             <a:endParaRPr lang="en-US" dirty="0"/>
           </a:p>
@@ -6791,7 +6796,7 @@
             <a:fld id="{5442F966-785C-4252-A070-511E57F616FC}" type="datetime1">
               <a:rPr lang="en-US" smtClean="0"/>
               <a:pPr/>
-              <a:t>2/19/2019</a:t>
+              <a:t>3/7/2019</a:t>
             </a:fld>
             <a:endParaRPr lang="en-US" dirty="0"/>
           </a:p>
@@ -7107,7 +7112,7 @@
             <a:fld id="{1F6C5535-E64E-4962-9D3C-0A437E2012AD}" type="datetime1">
               <a:rPr lang="en-US" smtClean="0"/>
               <a:pPr/>
-              <a:t>2/19/2019</a:t>
+              <a:t>3/7/2019</a:t>
             </a:fld>
             <a:endParaRPr lang="en-US" dirty="0"/>
           </a:p>
@@ -7326,7 +7331,7 @@
             <a:fld id="{7FFC5144-B85A-4FBB-8599-2FDBC35266DE}" type="datetime1">
               <a:rPr lang="en-US" smtClean="0"/>
               <a:pPr/>
-              <a:t>2/19/2019</a:t>
+              <a:t>3/7/2019</a:t>
             </a:fld>
             <a:endParaRPr lang="en-US" dirty="0"/>
           </a:p>

--- a/repository/src/site/resources/Nasdanika-HTML.pptx
+++ b/repository/src/site/resources/Nasdanika-HTML.pptx
@@ -5,7 +5,7 @@
     <p:sldMasterId id="2147483660" r:id="rId1"/>
   </p:sldMasterIdLst>
   <p:notesMasterIdLst>
-    <p:notesMasterId r:id="rId12"/>
+    <p:notesMasterId r:id="rId14"/>
   </p:notesMasterIdLst>
   <p:sldIdLst>
     <p:sldId id="256" r:id="rId2"/>
@@ -14,10 +14,12 @@
     <p:sldId id="287" r:id="rId5"/>
     <p:sldId id="288" r:id="rId6"/>
     <p:sldId id="289" r:id="rId7"/>
-    <p:sldId id="290" r:id="rId8"/>
-    <p:sldId id="291" r:id="rId9"/>
-    <p:sldId id="293" r:id="rId10"/>
-    <p:sldId id="292" r:id="rId11"/>
+    <p:sldId id="294" r:id="rId8"/>
+    <p:sldId id="290" r:id="rId9"/>
+    <p:sldId id="291" r:id="rId10"/>
+    <p:sldId id="293" r:id="rId11"/>
+    <p:sldId id="292" r:id="rId12"/>
+    <p:sldId id="295" r:id="rId13"/>
   </p:sldIdLst>
   <p:sldSz cx="9144000" cy="6858000" type="screen4x3"/>
   <p:notesSz cx="7099300" cy="10234613"/>
@@ -118,7 +120,7 @@
   </p:defaultTextStyle>
   <p:extLst>
     <p:ext uri="{EFAFB233-063F-42B5-8137-9DF3F51BA10A}">
-      <p15:sldGuideLst xmlns="" xmlns:p15="http://schemas.microsoft.com/office/powerpoint/2012/main">
+      <p15:sldGuideLst xmlns:p15="http://schemas.microsoft.com/office/powerpoint/2012/main">
         <p15:guide id="1" orient="horz" pos="2160">
           <p15:clr>
             <a:srgbClr val="A4A3A4"/>
@@ -218,7 +220,7 @@
             <a:fld id="{7C8337F5-D202-444F-ACB7-E30DDEF66A80}" type="datetimeFigureOut">
               <a:rPr lang="en-US" smtClean="0"/>
               <a:pPr/>
-              <a:t>3/7/2019</a:t>
+              <a:t>6/7/2019</a:t>
             </a:fld>
             <a:endParaRPr lang="en-US"/>
           </a:p>
@@ -284,38 +286,37 @@
           <a:p>
             <a:pPr lvl="0"/>
             <a:r>
-              <a:rPr lang="en-US" smtClean="0"/>
+              <a:rPr lang="en-US"/>
               <a:t>Click to edit Master text styles</a:t>
             </a:r>
           </a:p>
           <a:p>
             <a:pPr lvl="1"/>
             <a:r>
-              <a:rPr lang="en-US" smtClean="0"/>
+              <a:rPr lang="en-US"/>
               <a:t>Second level</a:t>
             </a:r>
           </a:p>
           <a:p>
             <a:pPr lvl="2"/>
             <a:r>
-              <a:rPr lang="en-US" smtClean="0"/>
+              <a:rPr lang="en-US"/>
               <a:t>Third level</a:t>
             </a:r>
           </a:p>
           <a:p>
             <a:pPr lvl="3"/>
             <a:r>
-              <a:rPr lang="en-US" smtClean="0"/>
+              <a:rPr lang="en-US"/>
               <a:t>Fourth level</a:t>
             </a:r>
           </a:p>
           <a:p>
             <a:pPr lvl="4"/>
             <a:r>
-              <a:rPr lang="en-US" smtClean="0"/>
+              <a:rPr lang="en-US"/>
               <a:t>Fifth level</a:t>
             </a:r>
-            <a:endParaRPr lang="en-US"/>
           </a:p>
         </p:txBody>
       </p:sp>
@@ -572,10 +573,9 @@
           </a:lstStyle>
           <a:p>
             <a:r>
-              <a:rPr kumimoji="0" lang="en-US" smtClean="0"/>
+              <a:rPr kumimoji="0" lang="en-US"/>
               <a:t>Click to edit Master title style</a:t>
             </a:r>
-            <a:endParaRPr kumimoji="0" lang="en-US"/>
           </a:p>
         </p:txBody>
       </p:sp>
@@ -633,10 +633,9 @@
           </a:lstStyle>
           <a:p>
             <a:r>
-              <a:rPr kumimoji="0" lang="en-US" smtClean="0"/>
+              <a:rPr kumimoji="0" lang="en-US"/>
               <a:t>Click to edit Master subtitle style</a:t>
             </a:r>
-            <a:endParaRPr kumimoji="0" lang="en-US"/>
           </a:p>
         </p:txBody>
       </p:sp>
@@ -658,7 +657,7 @@
             <a:fld id="{973C4BCA-08D2-4CA8-B1E3-197077574A8E}" type="datetime1">
               <a:rPr lang="en-US" smtClean="0"/>
               <a:pPr/>
-              <a:t>3/7/2019</a:t>
+              <a:t>6/7/2019</a:t>
             </a:fld>
             <a:endParaRPr lang="en-US"/>
           </a:p>
@@ -685,10 +684,9 @@
           <a:lstStyle/>
           <a:p>
             <a:r>
-              <a:rPr lang="en-US" dirty="0" smtClean="0"/>
+              <a:rPr lang="en-US" dirty="0"/>
               <a:t>https://www.nasdanika.org/home/products/html/index.html</a:t>
             </a:r>
-            <a:endParaRPr lang="en-US" dirty="0"/>
           </a:p>
         </p:txBody>
       </p:sp>
@@ -757,10 +755,9 @@
           <a:lstStyle/>
           <a:p>
             <a:r>
-              <a:rPr kumimoji="0" lang="en-US" smtClean="0"/>
+              <a:rPr kumimoji="0" lang="en-US"/>
               <a:t>Click to edit Master title style</a:t>
             </a:r>
-            <a:endParaRPr kumimoji="0" lang="en-US"/>
           </a:p>
         </p:txBody>
       </p:sp>
@@ -781,35 +778,35 @@
           <a:p>
             <a:pPr lvl="0" eaLnBrk="1" latinLnBrk="0" hangingPunct="1"/>
             <a:r>
-              <a:rPr lang="en-US" smtClean="0"/>
+              <a:rPr lang="en-US"/>
               <a:t>Click to edit Master text styles</a:t>
             </a:r>
           </a:p>
           <a:p>
             <a:pPr lvl="1" eaLnBrk="1" latinLnBrk="0" hangingPunct="1"/>
             <a:r>
-              <a:rPr lang="en-US" smtClean="0"/>
+              <a:rPr lang="en-US"/>
               <a:t>Second level</a:t>
             </a:r>
           </a:p>
           <a:p>
             <a:pPr lvl="2" eaLnBrk="1" latinLnBrk="0" hangingPunct="1"/>
             <a:r>
-              <a:rPr lang="en-US" smtClean="0"/>
+              <a:rPr lang="en-US"/>
               <a:t>Third level</a:t>
             </a:r>
           </a:p>
           <a:p>
             <a:pPr lvl="3" eaLnBrk="1" latinLnBrk="0" hangingPunct="1"/>
             <a:r>
-              <a:rPr lang="en-US" smtClean="0"/>
+              <a:rPr lang="en-US"/>
               <a:t>Fourth level</a:t>
             </a:r>
           </a:p>
           <a:p>
             <a:pPr lvl="4" eaLnBrk="1" latinLnBrk="0" hangingPunct="1"/>
             <a:r>
-              <a:rPr lang="en-US" smtClean="0"/>
+              <a:rPr lang="en-US"/>
               <a:t>Fifth level</a:t>
             </a:r>
             <a:endParaRPr kumimoji="0" lang="en-US"/>
@@ -834,7 +831,7 @@
             <a:fld id="{8B0DE5C2-E71F-48B9-B5FA-4397448A1927}" type="datetime1">
               <a:rPr lang="en-US" smtClean="0"/>
               <a:pPr/>
-              <a:t>3/7/2019</a:t>
+              <a:t>6/7/2019</a:t>
             </a:fld>
             <a:endParaRPr lang="en-US"/>
           </a:p>
@@ -856,10 +853,9 @@
           <a:lstStyle/>
           <a:p>
             <a:r>
-              <a:rPr lang="en-US" smtClean="0"/>
+              <a:rPr lang="en-US"/>
               <a:t>https://www.nasdanika.org/home/products/html/index.html</a:t>
             </a:r>
-            <a:endParaRPr lang="en-US"/>
           </a:p>
         </p:txBody>
       </p:sp>
@@ -933,10 +929,9 @@
           <a:lstStyle/>
           <a:p>
             <a:r>
-              <a:rPr kumimoji="0" lang="en-US" smtClean="0"/>
+              <a:rPr kumimoji="0" lang="en-US"/>
               <a:t>Click to edit Master title style</a:t>
             </a:r>
-            <a:endParaRPr kumimoji="0" lang="en-US"/>
           </a:p>
         </p:txBody>
       </p:sp>
@@ -962,35 +957,35 @@
           <a:p>
             <a:pPr lvl="0" eaLnBrk="1" latinLnBrk="0" hangingPunct="1"/>
             <a:r>
-              <a:rPr lang="en-US" smtClean="0"/>
+              <a:rPr lang="en-US"/>
               <a:t>Click to edit Master text styles</a:t>
             </a:r>
           </a:p>
           <a:p>
             <a:pPr lvl="1" eaLnBrk="1" latinLnBrk="0" hangingPunct="1"/>
             <a:r>
-              <a:rPr lang="en-US" smtClean="0"/>
+              <a:rPr lang="en-US"/>
               <a:t>Second level</a:t>
             </a:r>
           </a:p>
           <a:p>
             <a:pPr lvl="2" eaLnBrk="1" latinLnBrk="0" hangingPunct="1"/>
             <a:r>
-              <a:rPr lang="en-US" smtClean="0"/>
+              <a:rPr lang="en-US"/>
               <a:t>Third level</a:t>
             </a:r>
           </a:p>
           <a:p>
             <a:pPr lvl="3" eaLnBrk="1" latinLnBrk="0" hangingPunct="1"/>
             <a:r>
-              <a:rPr lang="en-US" smtClean="0"/>
+              <a:rPr lang="en-US"/>
               <a:t>Fourth level</a:t>
             </a:r>
           </a:p>
           <a:p>
             <a:pPr lvl="4" eaLnBrk="1" latinLnBrk="0" hangingPunct="1"/>
             <a:r>
-              <a:rPr lang="en-US" smtClean="0"/>
+              <a:rPr lang="en-US"/>
               <a:t>Fifth level</a:t>
             </a:r>
             <a:endParaRPr kumimoji="0" lang="en-US"/>
@@ -1015,7 +1010,7 @@
             <a:fld id="{FD419A60-239A-450E-925F-8FC52B7D7C5A}" type="datetime1">
               <a:rPr lang="en-US" smtClean="0"/>
               <a:pPr/>
-              <a:t>3/7/2019</a:t>
+              <a:t>6/7/2019</a:t>
             </a:fld>
             <a:endParaRPr lang="en-US"/>
           </a:p>
@@ -1037,10 +1032,9 @@
           <a:lstStyle/>
           <a:p>
             <a:r>
-              <a:rPr lang="en-US" smtClean="0"/>
+              <a:rPr lang="en-US"/>
               <a:t>https://www.nasdanika.org/home/products/html/index.html</a:t>
             </a:r>
-            <a:endParaRPr lang="en-US"/>
           </a:p>
         </p:txBody>
       </p:sp>
@@ -1120,10 +1114,9 @@
           </a:lstStyle>
           <a:p>
             <a:r>
-              <a:rPr kumimoji="0" lang="en-US" dirty="0" smtClean="0"/>
+              <a:rPr kumimoji="0" lang="en-US" dirty="0"/>
               <a:t>Click to edit Master title style</a:t>
             </a:r>
-            <a:endParaRPr kumimoji="0" lang="en-US" dirty="0"/>
           </a:p>
         </p:txBody>
       </p:sp>
@@ -1167,35 +1160,35 @@
           <a:p>
             <a:pPr lvl="0" eaLnBrk="1" latinLnBrk="0" hangingPunct="1"/>
             <a:r>
-              <a:rPr lang="en-US" dirty="0" smtClean="0"/>
+              <a:rPr lang="en-US" dirty="0"/>
               <a:t>Click to edit Master text styles</a:t>
             </a:r>
           </a:p>
           <a:p>
             <a:pPr lvl="1" eaLnBrk="1" latinLnBrk="0" hangingPunct="1"/>
             <a:r>
-              <a:rPr lang="en-US" dirty="0" smtClean="0"/>
+              <a:rPr lang="en-US" dirty="0"/>
               <a:t>Second level</a:t>
             </a:r>
           </a:p>
           <a:p>
             <a:pPr lvl="2" eaLnBrk="1" latinLnBrk="0" hangingPunct="1"/>
             <a:r>
-              <a:rPr lang="en-US" dirty="0" smtClean="0"/>
+              <a:rPr lang="en-US" dirty="0"/>
               <a:t>Third level</a:t>
             </a:r>
           </a:p>
           <a:p>
             <a:pPr lvl="3" eaLnBrk="1" latinLnBrk="0" hangingPunct="1"/>
             <a:r>
-              <a:rPr lang="en-US" dirty="0" smtClean="0"/>
+              <a:rPr lang="en-US" dirty="0"/>
               <a:t>Fourth level</a:t>
             </a:r>
           </a:p>
           <a:p>
             <a:pPr lvl="4" eaLnBrk="1" latinLnBrk="0" hangingPunct="1"/>
             <a:r>
-              <a:rPr lang="en-US" dirty="0" smtClean="0"/>
+              <a:rPr lang="en-US" dirty="0"/>
               <a:t>Fifth level</a:t>
             </a:r>
             <a:endParaRPr kumimoji="0" lang="en-US" dirty="0"/>
@@ -1220,7 +1213,7 @@
             <a:fld id="{1EE53D70-32C6-4CF9-A4F6-B2191D9D330B}" type="datetime1">
               <a:rPr lang="en-US" smtClean="0"/>
               <a:pPr/>
-              <a:t>3/7/2019</a:t>
+              <a:t>6/7/2019</a:t>
             </a:fld>
             <a:endParaRPr lang="en-US" dirty="0"/>
           </a:p>
@@ -1247,10 +1240,9 @@
           <a:lstStyle/>
           <a:p>
             <a:r>
-              <a:rPr lang="en-US" dirty="0" smtClean="0"/>
+              <a:rPr lang="en-US" dirty="0"/>
               <a:t>https://www.nasdanika.org/home/products/html/index.html</a:t>
             </a:r>
-            <a:endParaRPr lang="en-US" dirty="0"/>
           </a:p>
         </p:txBody>
       </p:sp>
@@ -1371,10 +1363,9 @@
           </a:lstStyle>
           <a:p>
             <a:r>
-              <a:rPr kumimoji="0" lang="en-US" smtClean="0"/>
+              <a:rPr kumimoji="0" lang="en-US"/>
               <a:t>Click to edit Master title style</a:t>
             </a:r>
-            <a:endParaRPr kumimoji="0" lang="en-US"/>
           </a:p>
         </p:txBody>
       </p:sp>
@@ -1449,7 +1440,7 @@
           <a:p>
             <a:pPr lvl="0" eaLnBrk="1" latinLnBrk="0" hangingPunct="1"/>
             <a:r>
-              <a:rPr kumimoji="0" lang="en-US" smtClean="0"/>
+              <a:rPr kumimoji="0" lang="en-US"/>
               <a:t>Click to edit Master text styles</a:t>
             </a:r>
           </a:p>
@@ -1473,7 +1464,7 @@
             <a:fld id="{0839DC55-7C8E-45AC-ABF3-3FCA4447D029}" type="datetime1">
               <a:rPr lang="en-US" smtClean="0"/>
               <a:pPr/>
-              <a:t>3/7/2019</a:t>
+              <a:t>6/7/2019</a:t>
             </a:fld>
             <a:endParaRPr lang="en-US"/>
           </a:p>
@@ -1495,10 +1486,9 @@
           <a:lstStyle/>
           <a:p>
             <a:r>
-              <a:rPr lang="en-US" smtClean="0"/>
+              <a:rPr lang="en-US"/>
               <a:t>https://www.nasdanika.org/home/products/html/index.html</a:t>
             </a:r>
-            <a:endParaRPr lang="en-US"/>
           </a:p>
         </p:txBody>
       </p:sp>
@@ -1572,10 +1562,9 @@
           <a:lstStyle/>
           <a:p>
             <a:r>
-              <a:rPr kumimoji="0" lang="en-US" smtClean="0"/>
+              <a:rPr kumimoji="0" lang="en-US"/>
               <a:t>Click to edit Master title style</a:t>
             </a:r>
-            <a:endParaRPr kumimoji="0" lang="en-US"/>
           </a:p>
         </p:txBody>
       </p:sp>
@@ -1617,35 +1606,35 @@
           <a:p>
             <a:pPr lvl="0" eaLnBrk="1" latinLnBrk="0" hangingPunct="1"/>
             <a:r>
-              <a:rPr lang="en-US" smtClean="0"/>
+              <a:rPr lang="en-US"/>
               <a:t>Click to edit Master text styles</a:t>
             </a:r>
           </a:p>
           <a:p>
             <a:pPr lvl="1" eaLnBrk="1" latinLnBrk="0" hangingPunct="1"/>
             <a:r>
-              <a:rPr lang="en-US" smtClean="0"/>
+              <a:rPr lang="en-US"/>
               <a:t>Second level</a:t>
             </a:r>
           </a:p>
           <a:p>
             <a:pPr lvl="2" eaLnBrk="1" latinLnBrk="0" hangingPunct="1"/>
             <a:r>
-              <a:rPr lang="en-US" smtClean="0"/>
+              <a:rPr lang="en-US"/>
               <a:t>Third level</a:t>
             </a:r>
           </a:p>
           <a:p>
             <a:pPr lvl="3" eaLnBrk="1" latinLnBrk="0" hangingPunct="1"/>
             <a:r>
-              <a:rPr lang="en-US" smtClean="0"/>
+              <a:rPr lang="en-US"/>
               <a:t>Fourth level</a:t>
             </a:r>
           </a:p>
           <a:p>
             <a:pPr lvl="4" eaLnBrk="1" latinLnBrk="0" hangingPunct="1"/>
             <a:r>
-              <a:rPr lang="en-US" smtClean="0"/>
+              <a:rPr lang="en-US"/>
               <a:t>Fifth level</a:t>
             </a:r>
             <a:endParaRPr kumimoji="0" lang="en-US"/>
@@ -1690,35 +1679,35 @@
           <a:p>
             <a:pPr lvl="0" eaLnBrk="1" latinLnBrk="0" hangingPunct="1"/>
             <a:r>
-              <a:rPr lang="en-US" smtClean="0"/>
+              <a:rPr lang="en-US"/>
               <a:t>Click to edit Master text styles</a:t>
             </a:r>
           </a:p>
           <a:p>
             <a:pPr lvl="1" eaLnBrk="1" latinLnBrk="0" hangingPunct="1"/>
             <a:r>
-              <a:rPr lang="en-US" smtClean="0"/>
+              <a:rPr lang="en-US"/>
               <a:t>Second level</a:t>
             </a:r>
           </a:p>
           <a:p>
             <a:pPr lvl="2" eaLnBrk="1" latinLnBrk="0" hangingPunct="1"/>
             <a:r>
-              <a:rPr lang="en-US" smtClean="0"/>
+              <a:rPr lang="en-US"/>
               <a:t>Third level</a:t>
             </a:r>
           </a:p>
           <a:p>
             <a:pPr lvl="3" eaLnBrk="1" latinLnBrk="0" hangingPunct="1"/>
             <a:r>
-              <a:rPr lang="en-US" smtClean="0"/>
+              <a:rPr lang="en-US"/>
               <a:t>Fourth level</a:t>
             </a:r>
           </a:p>
           <a:p>
             <a:pPr lvl="4" eaLnBrk="1" latinLnBrk="0" hangingPunct="1"/>
             <a:r>
-              <a:rPr lang="en-US" smtClean="0"/>
+              <a:rPr lang="en-US"/>
               <a:t>Fifth level</a:t>
             </a:r>
             <a:endParaRPr kumimoji="0" lang="en-US"/>
@@ -1743,7 +1732,7 @@
             <a:fld id="{4BE8A98D-D9E0-4D2C-A472-5FB776D74598}" type="datetime1">
               <a:rPr lang="en-US" smtClean="0"/>
               <a:pPr/>
-              <a:t>3/7/2019</a:t>
+              <a:t>6/7/2019</a:t>
             </a:fld>
             <a:endParaRPr lang="en-US"/>
           </a:p>
@@ -1765,10 +1754,9 @@
           <a:lstStyle/>
           <a:p>
             <a:r>
-              <a:rPr lang="en-US" smtClean="0"/>
+              <a:rPr lang="en-US"/>
               <a:t>https://www.nasdanika.org/home/products/html/index.html</a:t>
             </a:r>
-            <a:endParaRPr lang="en-US"/>
           </a:p>
         </p:txBody>
       </p:sp>
@@ -1846,10 +1834,9 @@
           </a:lstStyle>
           <a:p>
             <a:r>
-              <a:rPr kumimoji="0" lang="en-US" smtClean="0"/>
+              <a:rPr kumimoji="0" lang="en-US"/>
               <a:t>Click to edit Master title style</a:t>
             </a:r>
-            <a:endParaRPr kumimoji="0" lang="en-US"/>
           </a:p>
         </p:txBody>
       </p:sp>
@@ -1903,7 +1890,7 @@
           <a:p>
             <a:pPr lvl="0" eaLnBrk="1" latinLnBrk="0" hangingPunct="1"/>
             <a:r>
-              <a:rPr kumimoji="0" lang="en-US" smtClean="0"/>
+              <a:rPr kumimoji="0" lang="en-US"/>
               <a:t>Click to edit Master text styles</a:t>
             </a:r>
           </a:p>
@@ -1957,7 +1944,7 @@
           <a:p>
             <a:pPr lvl="0" eaLnBrk="1" latinLnBrk="0" hangingPunct="1"/>
             <a:r>
-              <a:rPr kumimoji="0" lang="en-US" smtClean="0"/>
+              <a:rPr kumimoji="0" lang="en-US"/>
               <a:t>Click to edit Master text styles</a:t>
             </a:r>
           </a:p>
@@ -2001,35 +1988,35 @@
           <a:p>
             <a:pPr lvl="0" eaLnBrk="1" latinLnBrk="0" hangingPunct="1"/>
             <a:r>
-              <a:rPr lang="en-US" smtClean="0"/>
+              <a:rPr lang="en-US"/>
               <a:t>Click to edit Master text styles</a:t>
             </a:r>
           </a:p>
           <a:p>
             <a:pPr lvl="1" eaLnBrk="1" latinLnBrk="0" hangingPunct="1"/>
             <a:r>
-              <a:rPr lang="en-US" smtClean="0"/>
+              <a:rPr lang="en-US"/>
               <a:t>Second level</a:t>
             </a:r>
           </a:p>
           <a:p>
             <a:pPr lvl="2" eaLnBrk="1" latinLnBrk="0" hangingPunct="1"/>
             <a:r>
-              <a:rPr lang="en-US" smtClean="0"/>
+              <a:rPr lang="en-US"/>
               <a:t>Third level</a:t>
             </a:r>
           </a:p>
           <a:p>
             <a:pPr lvl="3" eaLnBrk="1" latinLnBrk="0" hangingPunct="1"/>
             <a:r>
-              <a:rPr lang="en-US" smtClean="0"/>
+              <a:rPr lang="en-US"/>
               <a:t>Fourth level</a:t>
             </a:r>
           </a:p>
           <a:p>
             <a:pPr lvl="4" eaLnBrk="1" latinLnBrk="0" hangingPunct="1"/>
             <a:r>
-              <a:rPr lang="en-US" smtClean="0"/>
+              <a:rPr lang="en-US"/>
               <a:t>Fifth level</a:t>
             </a:r>
             <a:endParaRPr kumimoji="0" lang="en-US"/>
@@ -2074,35 +2061,35 @@
           <a:p>
             <a:pPr lvl="0" eaLnBrk="1" latinLnBrk="0" hangingPunct="1"/>
             <a:r>
-              <a:rPr lang="en-US" smtClean="0"/>
+              <a:rPr lang="en-US"/>
               <a:t>Click to edit Master text styles</a:t>
             </a:r>
           </a:p>
           <a:p>
             <a:pPr lvl="1" eaLnBrk="1" latinLnBrk="0" hangingPunct="1"/>
             <a:r>
-              <a:rPr lang="en-US" smtClean="0"/>
+              <a:rPr lang="en-US"/>
               <a:t>Second level</a:t>
             </a:r>
           </a:p>
           <a:p>
             <a:pPr lvl="2" eaLnBrk="1" latinLnBrk="0" hangingPunct="1"/>
             <a:r>
-              <a:rPr lang="en-US" smtClean="0"/>
+              <a:rPr lang="en-US"/>
               <a:t>Third level</a:t>
             </a:r>
           </a:p>
           <a:p>
             <a:pPr lvl="3" eaLnBrk="1" latinLnBrk="0" hangingPunct="1"/>
             <a:r>
-              <a:rPr lang="en-US" smtClean="0"/>
+              <a:rPr lang="en-US"/>
               <a:t>Fourth level</a:t>
             </a:r>
           </a:p>
           <a:p>
             <a:pPr lvl="4" eaLnBrk="1" latinLnBrk="0" hangingPunct="1"/>
             <a:r>
-              <a:rPr lang="en-US" smtClean="0"/>
+              <a:rPr lang="en-US"/>
               <a:t>Fifth level</a:t>
             </a:r>
             <a:endParaRPr kumimoji="0" lang="en-US"/>
@@ -2127,7 +2114,7 @@
             <a:fld id="{817C1654-FADF-44DC-ADCE-4E0BE626F38D}" type="datetime1">
               <a:rPr lang="en-US" smtClean="0"/>
               <a:pPr/>
-              <a:t>3/7/2019</a:t>
+              <a:t>6/7/2019</a:t>
             </a:fld>
             <a:endParaRPr lang="en-US"/>
           </a:p>
@@ -2149,10 +2136,9 @@
           <a:lstStyle/>
           <a:p>
             <a:r>
-              <a:rPr lang="en-US" smtClean="0"/>
+              <a:rPr lang="en-US"/>
               <a:t>https://www.nasdanika.org/home/products/html/index.html</a:t>
             </a:r>
-            <a:endParaRPr lang="en-US"/>
           </a:p>
         </p:txBody>
       </p:sp>
@@ -2258,10 +2244,9 @@
           </a:lstStyle>
           <a:p>
             <a:r>
-              <a:rPr kumimoji="0" lang="en-US" smtClean="0"/>
+              <a:rPr kumimoji="0" lang="en-US"/>
               <a:t>Click to edit Master title style</a:t>
             </a:r>
-            <a:endParaRPr kumimoji="0" lang="en-US"/>
           </a:p>
         </p:txBody>
       </p:sp>
@@ -2283,7 +2268,7 @@
             <a:fld id="{6CB0A448-83EE-48DD-8372-5CD1DDAFA900}" type="datetime1">
               <a:rPr lang="en-US" smtClean="0"/>
               <a:pPr/>
-              <a:t>3/7/2019</a:t>
+              <a:t>6/7/2019</a:t>
             </a:fld>
             <a:endParaRPr lang="en-US"/>
           </a:p>
@@ -2305,10 +2290,9 @@
           <a:lstStyle/>
           <a:p>
             <a:r>
-              <a:rPr lang="en-US" smtClean="0"/>
+              <a:rPr lang="en-US"/>
               <a:t>https://www.nasdanika.org/home/products/html/index.html</a:t>
             </a:r>
-            <a:endParaRPr lang="en-US"/>
           </a:p>
         </p:txBody>
       </p:sp>
@@ -2379,7 +2363,7 @@
             <a:fld id="{ED20EAE7-5D8A-45FC-A0A0-3B54D025C053}" type="datetime1">
               <a:rPr lang="en-US" smtClean="0"/>
               <a:pPr/>
-              <a:t>3/7/2019</a:t>
+              <a:t>6/7/2019</a:t>
             </a:fld>
             <a:endParaRPr lang="en-US"/>
           </a:p>
@@ -2401,10 +2385,9 @@
           <a:lstStyle/>
           <a:p>
             <a:r>
-              <a:rPr lang="en-US" smtClean="0"/>
+              <a:rPr lang="en-US"/>
               <a:t>https://www.nasdanika.org/home/products/html/index.html</a:t>
             </a:r>
-            <a:endParaRPr lang="en-US"/>
           </a:p>
         </p:txBody>
       </p:sp>
@@ -2499,10 +2482,9 @@
           </a:lstStyle>
           <a:p>
             <a:r>
-              <a:rPr kumimoji="0" lang="en-US" smtClean="0"/>
+              <a:rPr kumimoji="0" lang="en-US"/>
               <a:t>Click to edit Master title style</a:t>
             </a:r>
-            <a:endParaRPr kumimoji="0" lang="en-US"/>
           </a:p>
         </p:txBody>
       </p:sp>
@@ -2549,7 +2531,7 @@
           <a:p>
             <a:pPr lvl="0" eaLnBrk="1" latinLnBrk="0" hangingPunct="1"/>
             <a:r>
-              <a:rPr kumimoji="0" lang="en-US" smtClean="0"/>
+              <a:rPr kumimoji="0" lang="en-US"/>
               <a:t>Click to edit Master text styles</a:t>
             </a:r>
           </a:p>
@@ -2593,35 +2575,35 @@
           <a:p>
             <a:pPr lvl="0" eaLnBrk="1" latinLnBrk="0" hangingPunct="1"/>
             <a:r>
-              <a:rPr lang="en-US" smtClean="0"/>
+              <a:rPr lang="en-US"/>
               <a:t>Click to edit Master text styles</a:t>
             </a:r>
           </a:p>
           <a:p>
             <a:pPr lvl="1" eaLnBrk="1" latinLnBrk="0" hangingPunct="1"/>
             <a:r>
-              <a:rPr lang="en-US" smtClean="0"/>
+              <a:rPr lang="en-US"/>
               <a:t>Second level</a:t>
             </a:r>
           </a:p>
           <a:p>
             <a:pPr lvl="2" eaLnBrk="1" latinLnBrk="0" hangingPunct="1"/>
             <a:r>
-              <a:rPr lang="en-US" smtClean="0"/>
+              <a:rPr lang="en-US"/>
               <a:t>Third level</a:t>
             </a:r>
           </a:p>
           <a:p>
             <a:pPr lvl="3" eaLnBrk="1" latinLnBrk="0" hangingPunct="1"/>
             <a:r>
-              <a:rPr lang="en-US" smtClean="0"/>
+              <a:rPr lang="en-US"/>
               <a:t>Fourth level</a:t>
             </a:r>
           </a:p>
           <a:p>
             <a:pPr lvl="4" eaLnBrk="1" latinLnBrk="0" hangingPunct="1"/>
             <a:r>
-              <a:rPr lang="en-US" smtClean="0"/>
+              <a:rPr lang="en-US"/>
               <a:t>Fifth level</a:t>
             </a:r>
             <a:endParaRPr kumimoji="0" lang="en-US"/>
@@ -2646,7 +2628,7 @@
             <a:fld id="{B0D209B0-BD42-45C1-B9FE-4A1FDA2C3CF0}" type="datetime1">
               <a:rPr lang="en-US" smtClean="0"/>
               <a:pPr/>
-              <a:t>3/7/2019</a:t>
+              <a:t>6/7/2019</a:t>
             </a:fld>
             <a:endParaRPr lang="en-US"/>
           </a:p>
@@ -2668,10 +2650,9 @@
           <a:lstStyle/>
           <a:p>
             <a:r>
-              <a:rPr lang="en-US" smtClean="0"/>
+              <a:rPr lang="en-US"/>
               <a:t>https://www.nasdanika.org/home/products/html/index.html</a:t>
             </a:r>
-            <a:endParaRPr lang="en-US"/>
           </a:p>
         </p:txBody>
       </p:sp>
@@ -2866,10 +2847,9 @@
           </a:lstStyle>
           <a:p>
             <a:r>
-              <a:rPr kumimoji="0" lang="en-US" smtClean="0"/>
+              <a:rPr kumimoji="0" lang="en-US"/>
               <a:t>Click to edit Master title style</a:t>
             </a:r>
-            <a:endParaRPr kumimoji="0" lang="en-US"/>
           </a:p>
         </p:txBody>
       </p:sp>
@@ -2916,7 +2896,7 @@
           <a:p>
             <a:pPr lvl="0" eaLnBrk="1" latinLnBrk="0" hangingPunct="1"/>
             <a:r>
-              <a:rPr kumimoji="0" lang="en-US" smtClean="0"/>
+              <a:rPr kumimoji="0" lang="en-US"/>
               <a:t>Click to edit Master text styles</a:t>
             </a:r>
           </a:p>
@@ -2940,7 +2920,7 @@
             <a:fld id="{B924CD1B-6C4E-41C6-A1E7-ED10A6FB6365}" type="datetime1">
               <a:rPr lang="en-US" smtClean="0"/>
               <a:pPr/>
-              <a:t>3/7/2019</a:t>
+              <a:t>6/7/2019</a:t>
             </a:fld>
             <a:endParaRPr lang="en-US"/>
           </a:p>
@@ -2962,10 +2942,9 @@
           <a:lstStyle/>
           <a:p>
             <a:r>
-              <a:rPr lang="en-US" smtClean="0"/>
+              <a:rPr lang="en-US"/>
               <a:t>https://www.nasdanika.org/home/products/html/index.html</a:t>
             </a:r>
-            <a:endParaRPr lang="en-US"/>
           </a:p>
         </p:txBody>
       </p:sp>
@@ -3037,7 +3016,7 @@
           </a:lstStyle>
           <a:p>
             <a:r>
-              <a:rPr kumimoji="0" lang="en-US" smtClean="0"/>
+              <a:rPr kumimoji="0" lang="en-US"/>
               <a:t>Click icon to add picture</a:t>
             </a:r>
             <a:endParaRPr kumimoji="0" lang="en-US" dirty="0"/>
@@ -3612,10 +3591,9 @@
           <a:lstStyle/>
           <a:p>
             <a:r>
-              <a:rPr kumimoji="0" lang="en-US" smtClean="0"/>
+              <a:rPr kumimoji="0" lang="en-US"/>
               <a:t>Click to edit Master title style</a:t>
             </a:r>
-            <a:endParaRPr kumimoji="0" lang="en-US"/>
           </a:p>
         </p:txBody>
       </p:sp>
@@ -3646,38 +3624,37 @@
           <a:p>
             <a:pPr lvl="0" eaLnBrk="1" latinLnBrk="0" hangingPunct="1"/>
             <a:r>
-              <a:rPr kumimoji="0" lang="en-US" smtClean="0"/>
+              <a:rPr kumimoji="0" lang="en-US"/>
               <a:t>Click to edit Master text styles</a:t>
             </a:r>
           </a:p>
           <a:p>
             <a:pPr lvl="1" eaLnBrk="1" latinLnBrk="0" hangingPunct="1"/>
             <a:r>
-              <a:rPr kumimoji="0" lang="en-US" smtClean="0"/>
+              <a:rPr kumimoji="0" lang="en-US"/>
               <a:t>Second level</a:t>
             </a:r>
           </a:p>
           <a:p>
             <a:pPr lvl="2" eaLnBrk="1" latinLnBrk="0" hangingPunct="1"/>
             <a:r>
-              <a:rPr kumimoji="0" lang="en-US" smtClean="0"/>
+              <a:rPr kumimoji="0" lang="en-US"/>
               <a:t>Third level</a:t>
             </a:r>
           </a:p>
           <a:p>
             <a:pPr lvl="3" eaLnBrk="1" latinLnBrk="0" hangingPunct="1"/>
             <a:r>
-              <a:rPr kumimoji="0" lang="en-US" smtClean="0"/>
+              <a:rPr kumimoji="0" lang="en-US"/>
               <a:t>Fourth level</a:t>
             </a:r>
           </a:p>
           <a:p>
             <a:pPr lvl="4" eaLnBrk="1" latinLnBrk="0" hangingPunct="1"/>
             <a:r>
-              <a:rPr kumimoji="0" lang="en-US" smtClean="0"/>
+              <a:rPr kumimoji="0" lang="en-US"/>
               <a:t>Fifth level</a:t>
             </a:r>
-            <a:endParaRPr kumimoji="0" lang="en-US"/>
           </a:p>
         </p:txBody>
       </p:sp>
@@ -3717,7 +3694,7 @@
             <a:fld id="{C2F9BE2B-4E55-4228-8668-ED3CFA3258BF}" type="datetime1">
               <a:rPr lang="en-US" smtClean="0"/>
               <a:pPr/>
-              <a:t>3/7/2019</a:t>
+              <a:t>6/7/2019</a:t>
             </a:fld>
             <a:endParaRPr lang="en-US"/>
           </a:p>
@@ -3757,10 +3734,9 @@
           </a:lstStyle>
           <a:p>
             <a:r>
-              <a:rPr lang="en-US" smtClean="0"/>
+              <a:rPr lang="en-US"/>
               <a:t>https://www.nasdanika.org/home/products/html/index.html</a:t>
             </a:r>
-            <a:endParaRPr lang="en-US"/>
           </a:p>
         </p:txBody>
       </p:sp>
@@ -4362,14 +4338,13 @@
           <a:lstStyle/>
           <a:p>
             <a:r>
-              <a:rPr lang="en-US" dirty="0" err="1" smtClean="0"/>
+              <a:rPr lang="en-US" dirty="0" err="1"/>
               <a:t>Nasdanika</a:t>
             </a:r>
             <a:r>
-              <a:rPr lang="en-US" dirty="0" smtClean="0"/>
+              <a:rPr lang="en-US" dirty="0"/>
               <a:t> HTML</a:t>
             </a:r>
-            <a:endParaRPr lang="en-US" dirty="0"/>
           </a:p>
         </p:txBody>
       </p:sp>
@@ -4394,15 +4369,15 @@
           <a:lstStyle/>
           <a:p>
             <a:r>
-              <a:rPr lang="en-US" dirty="0" smtClean="0"/>
+              <a:rPr lang="en-US" dirty="0"/>
               <a:t>Fluent Java API for </a:t>
             </a:r>
             <a:r>
-              <a:rPr lang="en-US" smtClean="0"/>
+              <a:rPr lang="en-US"/>
               <a:t>building Web </a:t>
             </a:r>
             <a:r>
-              <a:rPr lang="en-US" dirty="0" smtClean="0"/>
+              <a:rPr lang="en-US" dirty="0"/>
               <a:t>UI</a:t>
             </a:r>
           </a:p>
@@ -4488,7 +4463,7 @@
             <a:fld id="{E5699493-5A06-4790-B435-5011A9418C44}" type="datetime1">
               <a:rPr lang="en-US" smtClean="0"/>
               <a:pPr/>
-              <a:t>3/7/2019</a:t>
+              <a:t>6/7/2019</a:t>
             </a:fld>
             <a:endParaRPr lang="en-US"/>
           </a:p>
@@ -4539,10 +4514,9 @@
           <a:lstStyle/>
           <a:p>
             <a:r>
-              <a:rPr lang="en-US" dirty="0" smtClean="0"/>
+              <a:rPr lang="en-US" dirty="0"/>
               <a:t>https://www.nasdanika.org/home/products/html/index.html</a:t>
             </a:r>
-            <a:endParaRPr lang="en-US" dirty="0"/>
           </a:p>
         </p:txBody>
       </p:sp>
@@ -4551,13 +4525,6 @@
   <p:clrMapOvr>
     <a:masterClrMapping/>
   </p:clrMapOvr>
-  <p:timing>
-    <p:tnLst>
-      <p:par>
-        <p:cTn id="1" dur="indefinite" restart="never" nodeType="tmRoot"/>
-      </p:par>
-    </p:tnLst>
-  </p:timing>
 </p:sld>
 </file>
 
@@ -4594,10 +4561,9 @@
           <a:lstStyle/>
           <a:p>
             <a:r>
-              <a:rPr lang="en-US" dirty="0" smtClean="0"/>
-              <a:t>EMF</a:t>
-            </a:r>
-            <a:endParaRPr lang="en-US" dirty="0"/>
+              <a:rPr lang="en-US" dirty="0"/>
+              <a:t>Application – key abstractions</a:t>
+            </a:r>
           </a:p>
         </p:txBody>
       </p:sp>
@@ -4613,8 +4579,8 @@
         </p:nvSpPr>
         <p:spPr>
           <a:xfrm>
-            <a:off x="457200" y="1431561"/>
-            <a:ext cx="5590032" cy="1031223"/>
+            <a:off x="373225" y="1431561"/>
+            <a:ext cx="6438122" cy="4893039"/>
           </a:xfrm>
         </p:spPr>
         <p:txBody>
@@ -4624,21 +4590,68 @@
           <a:lstStyle/>
           <a:p>
             <a:r>
-              <a:rPr lang="en-US" sz="1800" dirty="0" smtClean="0"/>
-              <a:t>EMF adapters to the application abstractions</a:t>
-            </a:r>
-          </a:p>
-          <a:p>
-            <a:r>
-              <a:rPr lang="en-US" sz="1800" dirty="0" smtClean="0"/>
-              <a:t>Use default implementations or customize</a:t>
-            </a:r>
-          </a:p>
-          <a:p>
-            <a:r>
-              <a:rPr lang="en-US" sz="1800" dirty="0" smtClean="0"/>
-              <a:t>Register with a resource set:</a:t>
-            </a:r>
+              <a:rPr lang="en-US" dirty="0"/>
+              <a:t>Label – something with a text and an icon</a:t>
+            </a:r>
+          </a:p>
+          <a:p>
+            <a:r>
+              <a:rPr lang="en-US" dirty="0"/>
+              <a:t>Action – a label which can be activated by a user</a:t>
+            </a:r>
+          </a:p>
+          <a:p>
+            <a:r>
+              <a:rPr lang="en-US" dirty="0"/>
+              <a:t>Data sources and properties – low-level data access</a:t>
+            </a:r>
+          </a:p>
+          <a:p>
+            <a:r>
+              <a:rPr lang="en-US" dirty="0"/>
+              <a:t>Property sources and property descriptors – higher-level data access abstractions with UI attributes and actions</a:t>
+            </a:r>
+          </a:p>
+          <a:p>
+            <a:r>
+              <a:rPr lang="en-US" dirty="0"/>
+              <a:t>Application – header, navigation bar, navigation panel, content panel, footer</a:t>
+            </a:r>
+          </a:p>
+          <a:p>
+            <a:r>
+              <a:rPr lang="en-US" dirty="0"/>
+              <a:t>Application Builder – builds an application</a:t>
+            </a:r>
+          </a:p>
+          <a:p>
+            <a:r>
+              <a:rPr lang="en-US" dirty="0"/>
+              <a:t>Action Application Builder – builds an application from an action tree</a:t>
+            </a:r>
+          </a:p>
+          <a:p>
+            <a:r>
+              <a:rPr lang="en-US" dirty="0" err="1"/>
+              <a:t>ViewPart</a:t>
+            </a:r>
+            <a:r>
+              <a:rPr lang="en-US" dirty="0"/>
+              <a:t> – a contributor to UI construction</a:t>
+            </a:r>
+          </a:p>
+          <a:p>
+            <a:r>
+              <a:rPr lang="en-US" dirty="0" err="1"/>
+              <a:t>ViewGenerator</a:t>
+            </a:r>
+            <a:r>
+              <a:rPr lang="en-US" dirty="0"/>
+              <a:t> – provides common generation methods and access to factories – HTML, Bootstrap, …</a:t>
+            </a:r>
+          </a:p>
+          <a:p>
+            <a:endParaRPr lang="en-US" dirty="0"/>
           </a:p>
         </p:txBody>
       </p:sp>
@@ -4657,10 +4670,10 @@
           <a:bodyPr/>
           <a:lstStyle/>
           <a:p>
-            <a:fld id="{DA9C945D-B86E-4068-BB7B-2DBFABE9C9E1}" type="datetime1">
+            <a:fld id="{7FFC5144-B85A-4FBB-8599-2FDBC35266DE}" type="datetime1">
               <a:rPr lang="en-US" smtClean="0"/>
               <a:pPr/>
-              <a:t>3/7/2019</a:t>
+              <a:t>6/7/2019</a:t>
             </a:fld>
             <a:endParaRPr lang="en-US" dirty="0"/>
           </a:p>
@@ -4678,19 +4691,18 @@
         </p:nvSpPr>
         <p:spPr>
           <a:xfrm>
-            <a:off x="2667000" y="6356350"/>
-            <a:ext cx="4284862" cy="365125"/>
-          </a:xfrm>
-        </p:spPr>
-        <p:txBody>
-          <a:bodyPr/>
-          <a:lstStyle/>
-          <a:p>
-            <a:r>
-              <a:rPr lang="en-US" dirty="0" smtClean="0"/>
+            <a:off x="2666999" y="6356350"/>
+            <a:ext cx="4466531" cy="365125"/>
+          </a:xfrm>
+        </p:spPr>
+        <p:txBody>
+          <a:bodyPr/>
+          <a:lstStyle/>
+          <a:p>
+            <a:r>
+              <a:rPr lang="en-US" dirty="0"/>
               <a:t>https://www.nasdanika.org/home/products/html/index.html</a:t>
             </a:r>
-            <a:endParaRPr lang="en-US" dirty="0"/>
           </a:p>
         </p:txBody>
       </p:sp>
@@ -4713,6 +4725,203 @@
               <a:rPr lang="en-US" smtClean="0"/>
               <a:pPr/>
               <a:t>10</a:t>
+            </a:fld>
+            <a:endParaRPr lang="en-US" dirty="0"/>
+          </a:p>
+        </p:txBody>
+      </p:sp>
+      <p:pic>
+        <p:nvPicPr>
+          <p:cNvPr id="6146" name="Picture 2"/>
+          <p:cNvPicPr>
+            <a:picLocks noChangeAspect="1" noChangeArrowheads="1"/>
+          </p:cNvPicPr>
+          <p:nvPr/>
+        </p:nvPicPr>
+        <p:blipFill>
+          <a:blip r:embed="rId2" cstate="print"/>
+          <a:srcRect/>
+          <a:stretch>
+            <a:fillRect/>
+          </a:stretch>
+        </p:blipFill>
+        <p:spPr bwMode="auto">
+          <a:xfrm>
+            <a:off x="6876044" y="849249"/>
+            <a:ext cx="2028825" cy="5695950"/>
+          </a:xfrm>
+          <a:prstGeom prst="rect">
+            <a:avLst/>
+          </a:prstGeom>
+          <a:noFill/>
+          <a:ln w="9525">
+            <a:solidFill>
+              <a:schemeClr val="accent1"/>
+            </a:solidFill>
+            <a:miter lim="800000"/>
+            <a:headEnd/>
+            <a:tailEnd/>
+          </a:ln>
+        </p:spPr>
+      </p:pic>
+    </p:spTree>
+  </p:cSld>
+  <p:clrMapOvr>
+    <a:masterClrMapping/>
+  </p:clrMapOvr>
+</p:sld>
+</file>
+
+<file path=ppt/slides/slide11.xml><?xml version="1.0" encoding="utf-8"?>
+<p:sld xmlns:a="http://schemas.openxmlformats.org/drawingml/2006/main" xmlns:r="http://schemas.openxmlformats.org/officeDocument/2006/relationships" xmlns:p="http://schemas.openxmlformats.org/presentationml/2006/main">
+  <p:cSld>
+    <p:spTree>
+      <p:nvGrpSpPr>
+        <p:cNvPr id="1" name=""/>
+        <p:cNvGrpSpPr/>
+        <p:nvPr/>
+      </p:nvGrpSpPr>
+      <p:grpSpPr>
+        <a:xfrm>
+          <a:off x="0" y="0"/>
+          <a:ext cx="0" cy="0"/>
+          <a:chOff x="0" y="0"/>
+          <a:chExt cx="0" cy="0"/>
+        </a:xfrm>
+      </p:grpSpPr>
+      <p:sp>
+        <p:nvSpPr>
+          <p:cNvPr id="2" name="Title 1"/>
+          <p:cNvSpPr>
+            <a:spLocks noGrp="1"/>
+          </p:cNvSpPr>
+          <p:nvPr>
+            <p:ph type="title"/>
+          </p:nvPr>
+        </p:nvSpPr>
+        <p:spPr/>
+        <p:txBody>
+          <a:bodyPr/>
+          <a:lstStyle/>
+          <a:p>
+            <a:r>
+              <a:rPr lang="en-US" dirty="0"/>
+              <a:t>EMF</a:t>
+            </a:r>
+          </a:p>
+        </p:txBody>
+      </p:sp>
+      <p:sp>
+        <p:nvSpPr>
+          <p:cNvPr id="3" name="Content Placeholder 2"/>
+          <p:cNvSpPr>
+            <a:spLocks noGrp="1"/>
+          </p:cNvSpPr>
+          <p:nvPr>
+            <p:ph idx="1"/>
+          </p:nvPr>
+        </p:nvSpPr>
+        <p:spPr>
+          <a:xfrm>
+            <a:off x="457200" y="1431561"/>
+            <a:ext cx="5590032" cy="1031223"/>
+          </a:xfrm>
+        </p:spPr>
+        <p:txBody>
+          <a:bodyPr>
+            <a:normAutofit/>
+          </a:bodyPr>
+          <a:lstStyle/>
+          <a:p>
+            <a:r>
+              <a:rPr lang="en-US" sz="1800" dirty="0"/>
+              <a:t>EMF adapters to the application abstractions</a:t>
+            </a:r>
+          </a:p>
+          <a:p>
+            <a:r>
+              <a:rPr lang="en-US" sz="1800" dirty="0"/>
+              <a:t>Use default implementations or customize</a:t>
+            </a:r>
+          </a:p>
+          <a:p>
+            <a:r>
+              <a:rPr lang="en-US" sz="1800" dirty="0"/>
+              <a:t>Register with a resource set:</a:t>
+            </a:r>
+          </a:p>
+        </p:txBody>
+      </p:sp>
+      <p:sp>
+        <p:nvSpPr>
+          <p:cNvPr id="4" name="Date Placeholder 3"/>
+          <p:cNvSpPr>
+            <a:spLocks noGrp="1"/>
+          </p:cNvSpPr>
+          <p:nvPr>
+            <p:ph type="dt" sz="half" idx="10"/>
+          </p:nvPr>
+        </p:nvSpPr>
+        <p:spPr/>
+        <p:txBody>
+          <a:bodyPr/>
+          <a:lstStyle/>
+          <a:p>
+            <a:fld id="{DA9C945D-B86E-4068-BB7B-2DBFABE9C9E1}" type="datetime1">
+              <a:rPr lang="en-US" smtClean="0"/>
+              <a:pPr/>
+              <a:t>6/7/2019</a:t>
+            </a:fld>
+            <a:endParaRPr lang="en-US" dirty="0"/>
+          </a:p>
+        </p:txBody>
+      </p:sp>
+      <p:sp>
+        <p:nvSpPr>
+          <p:cNvPr id="5" name="Footer Placeholder 4"/>
+          <p:cNvSpPr>
+            <a:spLocks noGrp="1"/>
+          </p:cNvSpPr>
+          <p:nvPr>
+            <p:ph type="ftr" sz="quarter" idx="11"/>
+          </p:nvPr>
+        </p:nvSpPr>
+        <p:spPr>
+          <a:xfrm>
+            <a:off x="2667000" y="6356350"/>
+            <a:ext cx="4284862" cy="365125"/>
+          </a:xfrm>
+        </p:spPr>
+        <p:txBody>
+          <a:bodyPr/>
+          <a:lstStyle/>
+          <a:p>
+            <a:r>
+              <a:rPr lang="en-US" dirty="0"/>
+              <a:t>https://www.nasdanika.org/home/products/html/index.html</a:t>
+            </a:r>
+          </a:p>
+        </p:txBody>
+      </p:sp>
+      <p:sp>
+        <p:nvSpPr>
+          <p:cNvPr id="6" name="Slide Number Placeholder 5"/>
+          <p:cNvSpPr>
+            <a:spLocks noGrp="1"/>
+          </p:cNvSpPr>
+          <p:nvPr>
+            <p:ph type="sldNum" sz="quarter" idx="12"/>
+          </p:nvPr>
+        </p:nvSpPr>
+        <p:spPr/>
+        <p:txBody>
+          <a:bodyPr/>
+          <a:lstStyle/>
+          <a:p>
+            <a:fld id="{5AA37B40-EE48-45EB-9BDA-107AE16ACA13}" type="slidenum">
+              <a:rPr lang="en-US" smtClean="0"/>
+              <a:pPr/>
+              <a:t>11</a:t>
             </a:fld>
             <a:endParaRPr lang="en-US" dirty="0"/>
           </a:p>
@@ -4795,7 +5004,7 @@
               <a:defRPr/>
             </a:pPr>
             <a:r>
-              <a:rPr kumimoji="0" lang="en-US" b="0" i="0" u="none" strike="noStrike" kern="1200" cap="none" spc="0" normalizeH="0" baseline="0" noProof="0" dirty="0" smtClean="0">
+              <a:rPr kumimoji="0" lang="en-US" b="0" i="0" u="none" strike="noStrike" kern="1200" cap="none" spc="0" normalizeH="0" baseline="0" noProof="0" dirty="0">
                 <a:ln>
                   <a:noFill/>
                 </a:ln>
@@ -4812,7 +5021,7 @@
               <a:t>Adapt </a:t>
             </a:r>
             <a:r>
-              <a:rPr kumimoji="0" lang="en-US" b="0" i="0" u="none" strike="noStrike" kern="1200" cap="none" spc="0" normalizeH="0" baseline="0" noProof="0" dirty="0" err="1" smtClean="0">
+              <a:rPr kumimoji="0" lang="en-US" b="0" i="0" u="none" strike="noStrike" kern="1200" cap="none" spc="0" normalizeH="0" baseline="0" noProof="0" dirty="0" err="1">
                 <a:ln>
                   <a:noFill/>
                 </a:ln>
@@ -4829,7 +5038,7 @@
               <a:t>EObject</a:t>
             </a:r>
             <a:r>
-              <a:rPr kumimoji="0" lang="en-US" b="0" i="0" u="none" strike="noStrike" kern="1200" cap="none" spc="0" normalizeH="0" baseline="0" noProof="0" dirty="0" smtClean="0">
+              <a:rPr kumimoji="0" lang="en-US" b="0" i="0" u="none" strike="noStrike" kern="1200" cap="none" spc="0" normalizeH="0" baseline="0" noProof="0" dirty="0">
                 <a:ln>
                   <a:noFill/>
                 </a:ln>
@@ -4925,10 +5134,10 @@
               <a:defRPr/>
             </a:pPr>
             <a:r>
-              <a:rPr lang="en-US" dirty="0" smtClean="0"/>
+              <a:rPr lang="en-US" dirty="0"/>
               <a:t>Can be used to generate static content and in dynamic Web applications</a:t>
             </a:r>
-            <a:endParaRPr kumimoji="0" lang="en-US" b="0" i="0" u="none" strike="noStrike" kern="1200" cap="none" spc="0" normalizeH="0" baseline="0" noProof="0" dirty="0" smtClean="0">
+            <a:endParaRPr kumimoji="0" lang="en-US" b="0" i="0" u="none" strike="noStrike" kern="1200" cap="none" spc="0" normalizeH="0" baseline="0" noProof="0" dirty="0">
               <a:ln>
                 <a:noFill/>
               </a:ln>
@@ -4947,35 +5156,36 @@
       </p:sp>
       <p:pic>
         <p:nvPicPr>
-          <p:cNvPr id="1026" name="Picture 2"/>
+          <p:cNvPr id="7" name="Picture 6">
+            <a:extLst>
+              <a:ext uri="{FF2B5EF4-FFF2-40B4-BE49-F238E27FC236}">
+                <a16:creationId xmlns:a16="http://schemas.microsoft.com/office/drawing/2014/main" id="{D961A9EF-54A4-4312-9577-F260735162AC}"/>
+              </a:ext>
+            </a:extLst>
+          </p:cNvPr>
           <p:cNvPicPr>
-            <a:picLocks noChangeAspect="1" noChangeArrowheads="1"/>
+            <a:picLocks noChangeAspect="1"/>
           </p:cNvPicPr>
           <p:nvPr/>
         </p:nvPicPr>
         <p:blipFill>
-          <a:blip r:embed="rId4" cstate="print"/>
-          <a:srcRect/>
+          <a:blip r:embed="rId4"/>
           <a:stretch>
             <a:fillRect/>
           </a:stretch>
         </p:blipFill>
-        <p:spPr bwMode="auto">
-          <a:xfrm>
-            <a:off x="6255466" y="778690"/>
-            <a:ext cx="2722605" cy="5771923"/>
+        <p:spPr>
+          <a:xfrm>
+            <a:off x="6138672" y="1038289"/>
+            <a:ext cx="2952824" cy="4706622"/>
           </a:xfrm>
           <a:prstGeom prst="rect">
             <a:avLst/>
           </a:prstGeom>
-          <a:noFill/>
-          <a:ln w="9525">
+          <a:ln>
             <a:solidFill>
               <a:schemeClr val="accent1"/>
             </a:solidFill>
-            <a:miter lim="800000"/>
-            <a:headEnd/>
-            <a:tailEnd/>
           </a:ln>
         </p:spPr>
       </p:pic>
@@ -4984,13 +5194,337 @@
   <p:clrMapOvr>
     <a:masterClrMapping/>
   </p:clrMapOvr>
-  <p:timing>
-    <p:tnLst>
-      <p:par>
-        <p:cTn id="1" dur="indefinite" restart="never" nodeType="tmRoot"/>
-      </p:par>
-    </p:tnLst>
-  </p:timing>
+</p:sld>
+</file>
+
+<file path=ppt/slides/slide12.xml><?xml version="1.0" encoding="utf-8"?>
+<p:sld xmlns:a="http://schemas.openxmlformats.org/drawingml/2006/main" xmlns:r="http://schemas.openxmlformats.org/officeDocument/2006/relationships" xmlns:p="http://schemas.openxmlformats.org/presentationml/2006/main">
+  <p:cSld>
+    <p:spTree>
+      <p:nvGrpSpPr>
+        <p:cNvPr id="1" name=""/>
+        <p:cNvGrpSpPr/>
+        <p:nvPr/>
+      </p:nvGrpSpPr>
+      <p:grpSpPr>
+        <a:xfrm>
+          <a:off x="0" y="0"/>
+          <a:ext cx="0" cy="0"/>
+          <a:chOff x="0" y="0"/>
+          <a:chExt cx="0" cy="0"/>
+        </a:xfrm>
+      </p:grpSpPr>
+      <p:sp>
+        <p:nvSpPr>
+          <p:cNvPr id="2" name="Title 1"/>
+          <p:cNvSpPr>
+            <a:spLocks noGrp="1"/>
+          </p:cNvSpPr>
+          <p:nvPr>
+            <p:ph type="title"/>
+          </p:nvPr>
+        </p:nvSpPr>
+        <p:spPr>
+          <a:xfrm>
+            <a:off x="457200" y="704088"/>
+            <a:ext cx="5622036" cy="660017"/>
+          </a:xfrm>
+        </p:spPr>
+        <p:txBody>
+          <a:bodyPr/>
+          <a:lstStyle/>
+          <a:p>
+            <a:r>
+              <a:rPr lang="en-US" dirty="0" err="1"/>
+              <a:t>ECore</a:t>
+            </a:r>
+            <a:endParaRPr lang="en-US" dirty="0"/>
+          </a:p>
+        </p:txBody>
+      </p:sp>
+      <p:sp>
+        <p:nvSpPr>
+          <p:cNvPr id="3" name="Content Placeholder 2"/>
+          <p:cNvSpPr>
+            <a:spLocks noGrp="1"/>
+          </p:cNvSpPr>
+          <p:nvPr>
+            <p:ph idx="1"/>
+          </p:nvPr>
+        </p:nvSpPr>
+        <p:spPr>
+          <a:xfrm>
+            <a:off x="457200" y="1431561"/>
+            <a:ext cx="5590032" cy="740651"/>
+          </a:xfrm>
+        </p:spPr>
+        <p:txBody>
+          <a:bodyPr>
+            <a:normAutofit/>
+          </a:bodyPr>
+          <a:lstStyle/>
+          <a:p>
+            <a:r>
+              <a:rPr lang="en-US" sz="1800" dirty="0" err="1"/>
+              <a:t>ViewAction</a:t>
+            </a:r>
+            <a:r>
+              <a:rPr lang="en-US" sz="1800" dirty="0"/>
+              <a:t> adapters for </a:t>
+            </a:r>
+            <a:r>
+              <a:rPr lang="en-US" sz="1800" dirty="0" err="1"/>
+              <a:t>Ecore</a:t>
+            </a:r>
+            <a:r>
+              <a:rPr lang="en-US" sz="1800" dirty="0"/>
+              <a:t> model elements</a:t>
+            </a:r>
+          </a:p>
+          <a:p>
+            <a:r>
+              <a:rPr lang="en-US" sz="1800" dirty="0"/>
+              <a:t>Documentation generator and helper classes</a:t>
+            </a:r>
+          </a:p>
+        </p:txBody>
+      </p:sp>
+      <p:sp>
+        <p:nvSpPr>
+          <p:cNvPr id="4" name="Date Placeholder 3"/>
+          <p:cNvSpPr>
+            <a:spLocks noGrp="1"/>
+          </p:cNvSpPr>
+          <p:nvPr>
+            <p:ph type="dt" sz="half" idx="10"/>
+          </p:nvPr>
+        </p:nvSpPr>
+        <p:spPr/>
+        <p:txBody>
+          <a:bodyPr/>
+          <a:lstStyle/>
+          <a:p>
+            <a:fld id="{DA9C945D-B86E-4068-BB7B-2DBFABE9C9E1}" type="datetime1">
+              <a:rPr lang="en-US" smtClean="0"/>
+              <a:pPr/>
+              <a:t>6/7/2019</a:t>
+            </a:fld>
+            <a:endParaRPr lang="en-US" dirty="0"/>
+          </a:p>
+        </p:txBody>
+      </p:sp>
+      <p:sp>
+        <p:nvSpPr>
+          <p:cNvPr id="5" name="Footer Placeholder 4"/>
+          <p:cNvSpPr>
+            <a:spLocks noGrp="1"/>
+          </p:cNvSpPr>
+          <p:nvPr>
+            <p:ph type="ftr" sz="quarter" idx="11"/>
+          </p:nvPr>
+        </p:nvSpPr>
+        <p:spPr>
+          <a:xfrm>
+            <a:off x="2667000" y="6356350"/>
+            <a:ext cx="4284862" cy="365125"/>
+          </a:xfrm>
+        </p:spPr>
+        <p:txBody>
+          <a:bodyPr/>
+          <a:lstStyle/>
+          <a:p>
+            <a:r>
+              <a:rPr lang="en-US" dirty="0"/>
+              <a:t>https://www.nasdanika.org/home/products/html/index.html</a:t>
+            </a:r>
+          </a:p>
+        </p:txBody>
+      </p:sp>
+      <p:sp>
+        <p:nvSpPr>
+          <p:cNvPr id="6" name="Slide Number Placeholder 5"/>
+          <p:cNvSpPr>
+            <a:spLocks noGrp="1"/>
+          </p:cNvSpPr>
+          <p:nvPr>
+            <p:ph type="sldNum" sz="quarter" idx="12"/>
+          </p:nvPr>
+        </p:nvSpPr>
+        <p:spPr/>
+        <p:txBody>
+          <a:bodyPr/>
+          <a:lstStyle/>
+          <a:p>
+            <a:fld id="{5AA37B40-EE48-45EB-9BDA-107AE16ACA13}" type="slidenum">
+              <a:rPr lang="en-US" smtClean="0"/>
+              <a:pPr/>
+              <a:t>12</a:t>
+            </a:fld>
+            <a:endParaRPr lang="en-US" dirty="0"/>
+          </a:p>
+        </p:txBody>
+      </p:sp>
+      <p:pic>
+        <p:nvPicPr>
+          <p:cNvPr id="8" name="Picture 7">
+            <a:extLst>
+              <a:ext uri="{FF2B5EF4-FFF2-40B4-BE49-F238E27FC236}">
+                <a16:creationId xmlns:a16="http://schemas.microsoft.com/office/drawing/2014/main" id="{AFBF549E-F894-4A84-A88B-2F91F8EF1908}"/>
+              </a:ext>
+            </a:extLst>
+          </p:cNvPr>
+          <p:cNvPicPr>
+            <a:picLocks noChangeAspect="1"/>
+          </p:cNvPicPr>
+          <p:nvPr/>
+        </p:nvPicPr>
+        <p:blipFill>
+          <a:blip r:embed="rId2"/>
+          <a:stretch>
+            <a:fillRect/>
+          </a:stretch>
+        </p:blipFill>
+        <p:spPr>
+          <a:xfrm>
+            <a:off x="6559054" y="1034096"/>
+            <a:ext cx="2457793" cy="3801005"/>
+          </a:xfrm>
+          <a:prstGeom prst="rect">
+            <a:avLst/>
+          </a:prstGeom>
+          <a:ln>
+            <a:solidFill>
+              <a:schemeClr val="accent1"/>
+            </a:solidFill>
+          </a:ln>
+        </p:spPr>
+      </p:pic>
+      <p:pic>
+        <p:nvPicPr>
+          <p:cNvPr id="9" name="Picture 8">
+            <a:extLst>
+              <a:ext uri="{FF2B5EF4-FFF2-40B4-BE49-F238E27FC236}">
+                <a16:creationId xmlns:a16="http://schemas.microsoft.com/office/drawing/2014/main" id="{7149276A-FDE4-425E-A503-0E1423114F1A}"/>
+              </a:ext>
+            </a:extLst>
+          </p:cNvPr>
+          <p:cNvPicPr>
+            <a:picLocks noChangeAspect="1"/>
+          </p:cNvPicPr>
+          <p:nvPr/>
+        </p:nvPicPr>
+        <p:blipFill>
+          <a:blip r:embed="rId3"/>
+          <a:stretch>
+            <a:fillRect/>
+          </a:stretch>
+        </p:blipFill>
+        <p:spPr>
+          <a:xfrm>
+            <a:off x="457199" y="2172212"/>
+            <a:ext cx="5980922" cy="398175"/>
+          </a:xfrm>
+          <a:prstGeom prst="rect">
+            <a:avLst/>
+          </a:prstGeom>
+          <a:ln>
+            <a:solidFill>
+              <a:schemeClr val="accent1"/>
+            </a:solidFill>
+          </a:ln>
+        </p:spPr>
+      </p:pic>
+      <p:sp>
+        <p:nvSpPr>
+          <p:cNvPr id="14" name="Down Arrow 11">
+            <a:extLst>
+              <a:ext uri="{FF2B5EF4-FFF2-40B4-BE49-F238E27FC236}">
+                <a16:creationId xmlns:a16="http://schemas.microsoft.com/office/drawing/2014/main" id="{D905A0E6-9A30-4F4F-9DDF-C95FDCB27D35}"/>
+              </a:ext>
+            </a:extLst>
+          </p:cNvPr>
+          <p:cNvSpPr/>
+          <p:nvPr/>
+        </p:nvSpPr>
+        <p:spPr>
+          <a:xfrm>
+            <a:off x="3264780" y="2628798"/>
+            <a:ext cx="365760" cy="341376"/>
+          </a:xfrm>
+          <a:prstGeom prst="downArrow">
+            <a:avLst/>
+          </a:prstGeom>
+        </p:spPr>
+        <p:style>
+          <a:lnRef idx="2">
+            <a:schemeClr val="accent1">
+              <a:shade val="50000"/>
+            </a:schemeClr>
+          </a:lnRef>
+          <a:fillRef idx="1">
+            <a:schemeClr val="accent1"/>
+          </a:fillRef>
+          <a:effectRef idx="0">
+            <a:schemeClr val="accent1"/>
+          </a:effectRef>
+          <a:fontRef idx="minor">
+            <a:schemeClr val="lt1"/>
+          </a:fontRef>
+        </p:style>
+        <p:txBody>
+          <a:bodyPr rtlCol="0" anchor="ctr"/>
+          <a:lstStyle/>
+          <a:p>
+            <a:pPr algn="ctr"/>
+            <a:endParaRPr lang="en-US"/>
+          </a:p>
+        </p:txBody>
+      </p:sp>
+      <p:pic>
+        <p:nvPicPr>
+          <p:cNvPr id="13" name="Picture 12">
+            <a:extLst>
+              <a:ext uri="{FF2B5EF4-FFF2-40B4-BE49-F238E27FC236}">
+                <a16:creationId xmlns:a16="http://schemas.microsoft.com/office/drawing/2014/main" id="{B22C84FA-3EE1-484B-B9CB-4D01F7174EC1}"/>
+              </a:ext>
+            </a:extLst>
+          </p:cNvPr>
+          <p:cNvPicPr>
+            <a:picLocks noChangeAspect="1"/>
+          </p:cNvPicPr>
+          <p:nvPr/>
+        </p:nvPicPr>
+        <p:blipFill>
+          <a:blip r:embed="rId4"/>
+          <a:stretch>
+            <a:fillRect/>
+          </a:stretch>
+        </p:blipFill>
+        <p:spPr>
+          <a:xfrm>
+            <a:off x="457199" y="3028585"/>
+            <a:ext cx="5980922" cy="3445191"/>
+          </a:xfrm>
+          <a:prstGeom prst="rect">
+            <a:avLst/>
+          </a:prstGeom>
+          <a:ln>
+            <a:solidFill>
+              <a:schemeClr val="accent1"/>
+            </a:solidFill>
+          </a:ln>
+        </p:spPr>
+      </p:pic>
+    </p:spTree>
+    <p:extLst>
+      <p:ext uri="{BB962C8B-B14F-4D97-AF65-F5344CB8AC3E}">
+        <p14:creationId xmlns:p14="http://schemas.microsoft.com/office/powerpoint/2010/main" val="1992892040"/>
+      </p:ext>
+    </p:extLst>
+  </p:cSld>
+  <p:clrMapOvr>
+    <a:masterClrMapping/>
+  </p:clrMapOvr>
 </p:sld>
 </file>
 
@@ -5027,10 +5561,9 @@
           <a:lstStyle/>
           <a:p>
             <a:r>
-              <a:rPr lang="en-US" dirty="0" smtClean="0"/>
+              <a:rPr lang="en-US" dirty="0"/>
               <a:t>Overview</a:t>
             </a:r>
-            <a:endParaRPr lang="en-US" dirty="0"/>
           </a:p>
         </p:txBody>
       </p:sp>
@@ -5046,114 +5579,142 @@
         </p:nvSpPr>
         <p:spPr/>
         <p:txBody>
-          <a:bodyPr/>
-          <a:lstStyle/>
-          <a:p>
-            <a:r>
-              <a:rPr lang="en-US" dirty="0" smtClean="0"/>
+          <a:bodyPr>
+            <a:normAutofit lnSpcReduction="10000"/>
+          </a:bodyPr>
+          <a:lstStyle/>
+          <a:p>
+            <a:r>
+              <a:rPr lang="en-US" dirty="0"/>
               <a:t>Fluent Java API for building:</a:t>
             </a:r>
           </a:p>
           <a:p>
             <a:pPr lvl="1"/>
             <a:r>
-              <a:rPr lang="en-US" dirty="0" smtClean="0"/>
+              <a:rPr lang="en-US" dirty="0"/>
               <a:t>Low level – HTML elements</a:t>
             </a:r>
           </a:p>
           <a:p>
             <a:pPr lvl="1"/>
             <a:r>
-              <a:rPr lang="en-US" dirty="0" smtClean="0"/>
+              <a:rPr lang="en-US" dirty="0"/>
               <a:t>Mid level: </a:t>
             </a:r>
           </a:p>
           <a:p>
             <a:pPr lvl="2"/>
             <a:r>
-              <a:rPr lang="en-US" dirty="0" smtClean="0"/>
+              <a:rPr lang="en-US" dirty="0"/>
               <a:t>Bootstrap 4.x UI elements and 21 </a:t>
             </a:r>
             <a:r>
-              <a:rPr lang="en-US" dirty="0" err="1" smtClean="0"/>
+              <a:rPr lang="en-US" dirty="0" err="1"/>
               <a:t>Bootswatch</a:t>
             </a:r>
             <a:r>
-              <a:rPr lang="en-US" dirty="0" smtClean="0"/>
+              <a:rPr lang="en-US" dirty="0"/>
               <a:t> themes </a:t>
             </a:r>
           </a:p>
           <a:p>
             <a:pPr lvl="2"/>
             <a:r>
-              <a:rPr lang="en-US" dirty="0" smtClean="0"/>
+              <a:rPr lang="en-US" dirty="0" err="1"/>
+              <a:t>ECharts</a:t>
+            </a:r>
+            <a:r>
+              <a:rPr lang="en-US" dirty="0"/>
+              <a:t> 4.2.1 factory and option builders</a:t>
+            </a:r>
+          </a:p>
+          <a:p>
+            <a:pPr lvl="2"/>
+            <a:r>
+              <a:rPr lang="en-US" dirty="0"/>
               <a:t>Font Awesome 5.x icons</a:t>
             </a:r>
           </a:p>
           <a:p>
             <a:pPr lvl="2"/>
             <a:r>
-              <a:rPr lang="en-US" dirty="0" err="1" smtClean="0"/>
+              <a:rPr lang="en-US" dirty="0" err="1"/>
               <a:t>jsTree</a:t>
             </a:r>
             <a:r>
-              <a:rPr lang="en-US" dirty="0" smtClean="0"/>
-              <a:t> 3.3.7 nodes and context menus</a:t>
+              <a:rPr lang="en-US" dirty="0"/>
+              <a:t> 3.3.8 nodes and context menus</a:t>
             </a:r>
           </a:p>
           <a:p>
             <a:pPr lvl="2"/>
             <a:r>
-              <a:rPr lang="en-US" dirty="0" err="1" smtClean="0"/>
+              <a:rPr lang="en-US" dirty="0" err="1"/>
               <a:t>KnockoutJS</a:t>
             </a:r>
             <a:r>
-              <a:rPr lang="en-US" dirty="0" smtClean="0"/>
+              <a:rPr lang="en-US" dirty="0"/>
               <a:t> 3.4.x </a:t>
             </a:r>
           </a:p>
           <a:p>
             <a:pPr lvl="1"/>
             <a:r>
-              <a:rPr lang="en-US" dirty="0" smtClean="0"/>
+              <a:rPr lang="en-US" dirty="0"/>
               <a:t>High level – HTML Applications</a:t>
             </a:r>
           </a:p>
           <a:p>
             <a:pPr lvl="2"/>
             <a:r>
-              <a:rPr lang="en-US" dirty="0" smtClean="0"/>
+              <a:rPr lang="en-US" dirty="0"/>
               <a:t>Using abstractions of actions and property sources</a:t>
             </a:r>
           </a:p>
           <a:p>
             <a:pPr lvl="2"/>
             <a:r>
-              <a:rPr lang="en-US" dirty="0" smtClean="0"/>
+              <a:rPr lang="en-US" dirty="0"/>
               <a:t>From EMF models data and meta-data</a:t>
             </a:r>
           </a:p>
           <a:p>
-            <a:r>
-              <a:rPr lang="en-US" dirty="0" smtClean="0"/>
+            <a:pPr lvl="2"/>
+            <a:r>
+              <a:rPr lang="en-US" dirty="0"/>
+              <a:t>Generation of documentation for </a:t>
+            </a:r>
+            <a:r>
+              <a:rPr lang="en-US" dirty="0" err="1"/>
+              <a:t>Ecore</a:t>
+            </a:r>
+            <a:r>
+              <a:rPr lang="en-US" dirty="0"/>
+              <a:t> models</a:t>
+            </a:r>
+          </a:p>
+          <a:p>
+            <a:r>
+              <a:rPr lang="en-US" dirty="0"/>
               <a:t>Dual delivery:</a:t>
             </a:r>
           </a:p>
           <a:p>
             <a:pPr lvl="1"/>
             <a:r>
-              <a:rPr lang="en-US" dirty="0" err="1" smtClean="0"/>
+              <a:rPr lang="en-US" dirty="0" err="1"/>
               <a:t>OSGi</a:t>
             </a:r>
             <a:r>
-              <a:rPr lang="en-US" dirty="0" smtClean="0"/>
+              <a:rPr lang="en-US" dirty="0"/>
               <a:t> bundles – p2 repository</a:t>
             </a:r>
           </a:p>
           <a:p>
             <a:pPr lvl="1"/>
             <a:r>
-              <a:rPr lang="en-US" dirty="0" smtClean="0"/>
+              <a:rPr lang="en-US" dirty="0"/>
               <a:t>Jars - Maven repository (excluding EMF)</a:t>
             </a:r>
           </a:p>
@@ -5177,7 +5738,7 @@
             <a:fld id="{30B7CE25-C2DE-4951-91F7-B421A2B71714}" type="datetime1">
               <a:rPr lang="en-US" smtClean="0"/>
               <a:pPr/>
-              <a:t>3/7/2019</a:t>
+              <a:t>6/7/2019</a:t>
             </a:fld>
             <a:endParaRPr lang="en-US" dirty="0"/>
           </a:p>
@@ -5228,10 +5789,9 @@
           <a:lstStyle/>
           <a:p>
             <a:r>
-              <a:rPr lang="en-US" dirty="0" smtClean="0"/>
+              <a:rPr lang="en-US" dirty="0"/>
               <a:t>https://www.nasdanika.org/home/products/html/index.html</a:t>
             </a:r>
-            <a:endParaRPr lang="en-US" dirty="0"/>
           </a:p>
         </p:txBody>
       </p:sp>
@@ -5240,13 +5800,6 @@
   <p:clrMapOvr>
     <a:masterClrMapping/>
   </p:clrMapOvr>
-  <p:timing>
-    <p:tnLst>
-      <p:par>
-        <p:cTn id="1" dur="indefinite" restart="never" nodeType="tmRoot"/>
-      </p:par>
-    </p:tnLst>
-  </p:timing>
 </p:sld>
 </file>
 
@@ -5283,10 +5836,9 @@
           <a:lstStyle/>
           <a:p>
             <a:r>
-              <a:rPr lang="en-US" dirty="0" smtClean="0"/>
+              <a:rPr lang="en-US" dirty="0"/>
               <a:t>HTML</a:t>
             </a:r>
-            <a:endParaRPr lang="en-US" dirty="0"/>
           </a:p>
         </p:txBody>
       </p:sp>
@@ -5311,94 +5863,94 @@
           <a:lstStyle/>
           <a:p>
             <a:r>
-              <a:rPr lang="en-US" dirty="0" smtClean="0"/>
+              <a:rPr lang="en-US" dirty="0"/>
               <a:t>API for building HTML elements</a:t>
             </a:r>
           </a:p>
           <a:p>
             <a:r>
-              <a:rPr lang="en-US" dirty="0" smtClean="0"/>
+              <a:rPr lang="en-US" dirty="0"/>
               <a:t>Foundation for the other modules</a:t>
             </a:r>
           </a:p>
           <a:p>
             <a:r>
-              <a:rPr lang="en-US" dirty="0" smtClean="0"/>
+              <a:rPr lang="en-US" dirty="0"/>
               <a:t>How to use:</a:t>
             </a:r>
           </a:p>
           <a:p>
             <a:pPr lvl="1"/>
             <a:r>
-              <a:rPr lang="en-US" dirty="0" smtClean="0"/>
+              <a:rPr lang="en-US" dirty="0"/>
               <a:t>Obtain </a:t>
             </a:r>
             <a:r>
-              <a:rPr lang="en-US" dirty="0" err="1" smtClean="0"/>
+              <a:rPr lang="en-US" dirty="0" err="1"/>
               <a:t>HTMLFactory</a:t>
             </a:r>
-            <a:endParaRPr lang="en-US" dirty="0" smtClean="0"/>
+            <a:endParaRPr lang="en-US" dirty="0"/>
           </a:p>
           <a:p>
             <a:pPr lvl="1"/>
             <a:r>
-              <a:rPr lang="en-US" dirty="0" smtClean="0"/>
+              <a:rPr lang="en-US" dirty="0"/>
               <a:t>Create HTML elements</a:t>
             </a:r>
           </a:p>
           <a:p>
             <a:pPr lvl="1"/>
             <a:r>
-              <a:rPr lang="en-US" dirty="0" smtClean="0"/>
+              <a:rPr lang="en-US" dirty="0"/>
               <a:t>Configure  the elements:</a:t>
             </a:r>
           </a:p>
           <a:p>
             <a:pPr lvl="2"/>
             <a:r>
-              <a:rPr lang="en-US" dirty="0" smtClean="0"/>
+              <a:rPr lang="en-US" dirty="0"/>
               <a:t>Attributes</a:t>
             </a:r>
           </a:p>
           <a:p>
             <a:pPr lvl="2"/>
             <a:r>
-              <a:rPr lang="en-US" dirty="0" smtClean="0"/>
+              <a:rPr lang="en-US" dirty="0"/>
               <a:t>CSS Classes</a:t>
             </a:r>
           </a:p>
           <a:p>
             <a:pPr lvl="2"/>
             <a:r>
-              <a:rPr lang="en-US" dirty="0" smtClean="0"/>
+              <a:rPr lang="en-US" dirty="0"/>
               <a:t>Styles</a:t>
             </a:r>
           </a:p>
           <a:p>
             <a:r>
-              <a:rPr lang="en-US" dirty="0" smtClean="0"/>
+              <a:rPr lang="en-US" dirty="0"/>
               <a:t>Output with </a:t>
             </a:r>
             <a:r>
-              <a:rPr lang="en-US" dirty="0" err="1" smtClean="0">
+              <a:rPr lang="en-US" dirty="0" err="1">
                 <a:latin typeface="Courier New" pitchFamily="49" charset="0"/>
                 <a:cs typeface="Courier New" pitchFamily="49" charset="0"/>
               </a:rPr>
               <a:t>toString</a:t>
             </a:r>
             <a:r>
-              <a:rPr lang="en-US" dirty="0" smtClean="0">
+              <a:rPr lang="en-US" dirty="0">
                 <a:latin typeface="Courier New" pitchFamily="49" charset="0"/>
                 <a:cs typeface="Courier New" pitchFamily="49" charset="0"/>
               </a:rPr>
               <a:t>()</a:t>
             </a:r>
             <a:r>
-              <a:rPr lang="en-US" dirty="0" smtClean="0"/>
+              <a:rPr lang="en-US" dirty="0"/>
               <a:t> or  </a:t>
             </a:r>
             <a:r>
-              <a:rPr lang="en-US" dirty="0" smtClean="0">
+              <a:rPr lang="en-US" dirty="0">
                 <a:latin typeface="Courier New" pitchFamily="49" charset="0"/>
                 <a:cs typeface="Courier New" pitchFamily="49" charset="0"/>
               </a:rPr>
@@ -5428,7 +5980,7 @@
             <a:fld id="{5D87A24F-A2BB-473B-B8CE-A299EFEC9984}" type="datetime1">
               <a:rPr lang="en-US" smtClean="0"/>
               <a:pPr/>
-              <a:t>3/7/2019</a:t>
+              <a:t>6/7/2019</a:t>
             </a:fld>
             <a:endParaRPr lang="en-US" dirty="0"/>
           </a:p>
@@ -5455,10 +6007,9 @@
           <a:lstStyle/>
           <a:p>
             <a:r>
-              <a:rPr lang="en-US" dirty="0" smtClean="0"/>
+              <a:rPr lang="en-US" dirty="0"/>
               <a:t>https://www.nasdanika.org/home/products/html/index.html</a:t>
             </a:r>
-            <a:endParaRPr lang="en-US" dirty="0"/>
           </a:p>
         </p:txBody>
       </p:sp>
@@ -5488,7 +6039,7 @@
       </p:sp>
       <p:pic>
         <p:nvPicPr>
-          <p:cNvPr id="1028" name="Picture 4"/>
+          <p:cNvPr id="1029" name="Picture 5"/>
           <p:cNvPicPr>
             <a:picLocks noChangeAspect="1" noChangeArrowheads="1"/>
           </p:cNvPicPr>
@@ -5503,42 +6054,6 @@
         </p:blipFill>
         <p:spPr bwMode="auto">
           <a:xfrm>
-            <a:off x="7002399" y="896112"/>
-            <a:ext cx="1771650" cy="5334000"/>
-          </a:xfrm>
-          <a:prstGeom prst="rect">
-            <a:avLst/>
-          </a:prstGeom>
-          <a:solidFill>
-            <a:schemeClr val="accent2"/>
-          </a:solidFill>
-          <a:ln w="9525">
-            <a:solidFill>
-              <a:schemeClr val="accent1"/>
-            </a:solidFill>
-            <a:miter lim="800000"/>
-            <a:headEnd/>
-            <a:tailEnd/>
-          </a:ln>
-        </p:spPr>
-      </p:pic>
-      <p:pic>
-        <p:nvPicPr>
-          <p:cNvPr id="1029" name="Picture 5"/>
-          <p:cNvPicPr>
-            <a:picLocks noChangeAspect="1" noChangeArrowheads="1"/>
-          </p:cNvPicPr>
-          <p:nvPr/>
-        </p:nvPicPr>
-        <p:blipFill>
-          <a:blip r:embed="rId3" cstate="print"/>
-          <a:srcRect/>
-          <a:stretch>
-            <a:fillRect/>
-          </a:stretch>
-        </p:blipFill>
-        <p:spPr bwMode="auto">
-          <a:xfrm>
             <a:off x="799148" y="5081397"/>
             <a:ext cx="4619625" cy="742950"/>
           </a:xfrm>
@@ -5565,7 +6080,7 @@
           <p:nvPr/>
         </p:nvPicPr>
         <p:blipFill>
-          <a:blip r:embed="rId4" cstate="print"/>
+          <a:blip r:embed="rId3" cstate="print"/>
           <a:srcRect/>
           <a:stretch>
             <a:fillRect/>
@@ -5630,18 +6145,46 @@
           </a:p>
         </p:txBody>
       </p:sp>
+      <p:pic>
+        <p:nvPicPr>
+          <p:cNvPr id="8" name="Picture 7">
+            <a:extLst>
+              <a:ext uri="{FF2B5EF4-FFF2-40B4-BE49-F238E27FC236}">
+                <a16:creationId xmlns:a16="http://schemas.microsoft.com/office/drawing/2014/main" id="{DCB7DFCA-CE6C-4E58-BF1F-683271058604}"/>
+              </a:ext>
+            </a:extLst>
+          </p:cNvPr>
+          <p:cNvPicPr>
+            <a:picLocks noChangeAspect="1"/>
+          </p:cNvPicPr>
+          <p:nvPr/>
+        </p:nvPicPr>
+        <p:blipFill>
+          <a:blip r:embed="rId4"/>
+          <a:stretch>
+            <a:fillRect/>
+          </a:stretch>
+        </p:blipFill>
+        <p:spPr>
+          <a:xfrm>
+            <a:off x="7081298" y="833075"/>
+            <a:ext cx="1810003" cy="5191850"/>
+          </a:xfrm>
+          <a:prstGeom prst="rect">
+            <a:avLst/>
+          </a:prstGeom>
+          <a:ln>
+            <a:solidFill>
+              <a:schemeClr val="accent1"/>
+            </a:solidFill>
+          </a:ln>
+        </p:spPr>
+      </p:pic>
     </p:spTree>
   </p:cSld>
   <p:clrMapOvr>
     <a:masterClrMapping/>
   </p:clrMapOvr>
-  <p:timing>
-    <p:tnLst>
-      <p:par>
-        <p:cTn id="1" dur="indefinite" restart="never" nodeType="tmRoot"/>
-      </p:par>
-    </p:tnLst>
-  </p:timing>
 </p:sld>
 </file>
 
@@ -5678,10 +6221,9 @@
           <a:lstStyle/>
           <a:p>
             <a:r>
-              <a:rPr lang="en-US" dirty="0" smtClean="0"/>
+              <a:rPr lang="en-US" dirty="0"/>
               <a:t>Bootstrap</a:t>
             </a:r>
-            <a:endParaRPr lang="en-US" dirty="0"/>
           </a:p>
         </p:txBody>
       </p:sp>
@@ -5706,73 +6248,73 @@
           <a:lstStyle/>
           <a:p>
             <a:r>
-              <a:rPr lang="en-US" dirty="0" smtClean="0"/>
+              <a:rPr lang="en-US" dirty="0"/>
               <a:t>API for building Bootstrap 4 elements</a:t>
             </a:r>
           </a:p>
           <a:p>
             <a:r>
-              <a:rPr lang="en-US" dirty="0" smtClean="0"/>
+              <a:rPr lang="en-US" dirty="0"/>
               <a:t>Built on HTML</a:t>
             </a:r>
           </a:p>
           <a:p>
             <a:r>
-              <a:rPr lang="en-US" dirty="0" smtClean="0"/>
+              <a:rPr lang="en-US" dirty="0"/>
               <a:t>How to use:</a:t>
             </a:r>
           </a:p>
           <a:p>
             <a:pPr lvl="1"/>
             <a:r>
-              <a:rPr lang="en-US" dirty="0" smtClean="0"/>
+              <a:rPr lang="en-US" dirty="0"/>
               <a:t>Obtain </a:t>
             </a:r>
             <a:r>
-              <a:rPr lang="en-US" dirty="0" err="1" smtClean="0"/>
+              <a:rPr lang="en-US" dirty="0" err="1"/>
               <a:t>BootstrapFactory</a:t>
             </a:r>
-            <a:endParaRPr lang="en-US" dirty="0" smtClean="0"/>
+            <a:endParaRPr lang="en-US" dirty="0"/>
           </a:p>
           <a:p>
             <a:pPr lvl="1"/>
             <a:r>
-              <a:rPr lang="en-US" dirty="0" smtClean="0"/>
+              <a:rPr lang="en-US" dirty="0"/>
               <a:t>Create elements</a:t>
             </a:r>
           </a:p>
           <a:p>
             <a:pPr lvl="1"/>
             <a:r>
-              <a:rPr lang="en-US" dirty="0" smtClean="0"/>
+              <a:rPr lang="en-US" dirty="0"/>
               <a:t>Configure  the elements</a:t>
             </a:r>
           </a:p>
           <a:p>
             <a:r>
-              <a:rPr lang="en-US" dirty="0" smtClean="0"/>
+              <a:rPr lang="en-US" dirty="0"/>
               <a:t>Output with </a:t>
             </a:r>
             <a:r>
-              <a:rPr lang="en-US" dirty="0" err="1" smtClean="0">
+              <a:rPr lang="en-US" dirty="0" err="1">
                 <a:latin typeface="Courier New" pitchFamily="49" charset="0"/>
                 <a:cs typeface="Courier New" pitchFamily="49" charset="0"/>
               </a:rPr>
               <a:t>toString</a:t>
             </a:r>
             <a:r>
-              <a:rPr lang="en-US" dirty="0" smtClean="0">
+              <a:rPr lang="en-US" dirty="0">
                 <a:latin typeface="Courier New" pitchFamily="49" charset="0"/>
                 <a:cs typeface="Courier New" pitchFamily="49" charset="0"/>
               </a:rPr>
               <a:t>()</a:t>
             </a:r>
             <a:r>
-              <a:rPr lang="en-US" dirty="0" smtClean="0"/>
+              <a:rPr lang="en-US" dirty="0"/>
               <a:t> or  </a:t>
             </a:r>
             <a:r>
-              <a:rPr lang="en-US" dirty="0" smtClean="0">
+              <a:rPr lang="en-US" dirty="0">
                 <a:latin typeface="Courier New" pitchFamily="49" charset="0"/>
                 <a:cs typeface="Courier New" pitchFamily="49" charset="0"/>
               </a:rPr>
@@ -5781,7 +6323,7 @@
           </a:p>
           <a:p>
             <a:r>
-              <a:rPr lang="en-US" dirty="0" smtClean="0"/>
+              <a:rPr lang="en-US" dirty="0"/>
               <a:t>Fallback to HTML API’s when needed</a:t>
             </a:r>
           </a:p>
@@ -5808,7 +6350,7 @@
             <a:fld id="{91E4BA3B-29BD-4451-A876-E8BE74FE07B6}" type="datetime1">
               <a:rPr lang="en-US" smtClean="0"/>
               <a:pPr/>
-              <a:t>3/7/2019</a:t>
+              <a:t>6/7/2019</a:t>
             </a:fld>
             <a:endParaRPr lang="en-US" dirty="0"/>
           </a:p>
@@ -5835,10 +6377,9 @@
           <a:lstStyle/>
           <a:p>
             <a:r>
-              <a:rPr lang="en-US" dirty="0" smtClean="0"/>
+              <a:rPr lang="en-US" dirty="0"/>
               <a:t>https://www.nasdanika.org/home/products/html/index.html</a:t>
             </a:r>
-            <a:endParaRPr lang="en-US" dirty="0"/>
           </a:p>
         </p:txBody>
       </p:sp>
@@ -6017,13 +6558,6 @@
   <p:clrMapOvr>
     <a:masterClrMapping/>
   </p:clrMapOvr>
-  <p:timing>
-    <p:tnLst>
-      <p:par>
-        <p:cTn id="1" dur="indefinite" restart="never" nodeType="tmRoot"/>
-      </p:par>
-    </p:tnLst>
-  </p:timing>
 </p:sld>
 </file>
 
@@ -6060,10 +6594,9 @@
           <a:lstStyle/>
           <a:p>
             <a:r>
-              <a:rPr lang="en-US" dirty="0" smtClean="0"/>
+              <a:rPr lang="en-US" dirty="0"/>
               <a:t>Font Awesome</a:t>
             </a:r>
-            <a:endParaRPr lang="en-US" dirty="0"/>
           </a:p>
         </p:txBody>
       </p:sp>
@@ -6085,7 +6618,7 @@
             <a:fld id="{0B029AE1-E897-48BE-8E52-C0A2A8F1B33B}" type="datetime1">
               <a:rPr lang="en-US" smtClean="0"/>
               <a:pPr/>
-              <a:t>3/7/2019</a:t>
+              <a:t>6/7/2019</a:t>
             </a:fld>
             <a:endParaRPr lang="en-US" dirty="0"/>
           </a:p>
@@ -6112,10 +6645,9 @@
           <a:lstStyle/>
           <a:p>
             <a:r>
-              <a:rPr lang="en-US" dirty="0" smtClean="0"/>
+              <a:rPr lang="en-US" dirty="0"/>
               <a:t>https://www.nasdanika.org/home/products/html/index.html</a:t>
             </a:r>
-            <a:endParaRPr lang="en-US" dirty="0"/>
           </a:p>
         </p:txBody>
       </p:sp>
@@ -6166,80 +6698,80 @@
           <a:lstStyle/>
           <a:p>
             <a:r>
-              <a:rPr lang="en-US" dirty="0" smtClean="0"/>
+              <a:rPr lang="en-US" dirty="0"/>
               <a:t>API for building Font Awesome 5 icons</a:t>
             </a:r>
           </a:p>
           <a:p>
             <a:r>
-              <a:rPr lang="en-US" dirty="0" smtClean="0"/>
+              <a:rPr lang="en-US" dirty="0"/>
               <a:t>Built on HTML</a:t>
             </a:r>
           </a:p>
           <a:p>
             <a:r>
-              <a:rPr lang="en-US" dirty="0" smtClean="0"/>
+              <a:rPr lang="en-US" dirty="0"/>
               <a:t>How to use:</a:t>
             </a:r>
           </a:p>
           <a:p>
             <a:pPr lvl="1"/>
             <a:r>
-              <a:rPr lang="en-US" dirty="0" smtClean="0"/>
+              <a:rPr lang="en-US" dirty="0"/>
               <a:t>Obtain </a:t>
             </a:r>
             <a:r>
-              <a:rPr lang="en-US" dirty="0" err="1" smtClean="0"/>
+              <a:rPr lang="en-US" dirty="0" err="1"/>
               <a:t>FontAwesomeFactory</a:t>
             </a:r>
-            <a:endParaRPr lang="en-US" dirty="0" smtClean="0"/>
+            <a:endParaRPr lang="en-US" dirty="0"/>
           </a:p>
           <a:p>
             <a:pPr lvl="1"/>
             <a:r>
-              <a:rPr lang="en-US" dirty="0" smtClean="0"/>
+              <a:rPr lang="en-US" dirty="0"/>
               <a:t>Create icons</a:t>
             </a:r>
           </a:p>
           <a:p>
             <a:pPr lvl="1"/>
             <a:r>
-              <a:rPr lang="en-US" dirty="0" smtClean="0"/>
+              <a:rPr lang="en-US" dirty="0"/>
               <a:t>Configure  the icons</a:t>
             </a:r>
           </a:p>
           <a:p>
             <a:r>
-              <a:rPr lang="en-US" dirty="0" smtClean="0"/>
+              <a:rPr lang="en-US" dirty="0"/>
               <a:t>Output with </a:t>
             </a:r>
             <a:r>
-              <a:rPr lang="en-US" dirty="0" err="1" smtClean="0">
+              <a:rPr lang="en-US" dirty="0" err="1">
                 <a:latin typeface="Courier New" pitchFamily="49" charset="0"/>
                 <a:cs typeface="Courier New" pitchFamily="49" charset="0"/>
               </a:rPr>
               <a:t>toString</a:t>
             </a:r>
             <a:r>
-              <a:rPr lang="en-US" dirty="0" smtClean="0">
+              <a:rPr lang="en-US" dirty="0">
                 <a:latin typeface="Courier New" pitchFamily="49" charset="0"/>
                 <a:cs typeface="Courier New" pitchFamily="49" charset="0"/>
               </a:rPr>
               <a:t>()</a:t>
             </a:r>
             <a:r>
-              <a:rPr lang="en-US" dirty="0" smtClean="0"/>
+              <a:rPr lang="en-US" dirty="0"/>
               <a:t> </a:t>
             </a:r>
             <a:br>
-              <a:rPr lang="en-US" dirty="0" smtClean="0"/>
+              <a:rPr lang="en-US" dirty="0"/>
             </a:br>
             <a:r>
-              <a:rPr lang="en-US" dirty="0" smtClean="0"/>
+              <a:rPr lang="en-US" dirty="0"/>
               <a:t>or  </a:t>
             </a:r>
             <a:r>
-              <a:rPr lang="en-US" dirty="0" smtClean="0">
+              <a:rPr lang="en-US" dirty="0">
                 <a:latin typeface="Courier New" pitchFamily="49" charset="0"/>
                 <a:cs typeface="Courier New" pitchFamily="49" charset="0"/>
               </a:rPr>
@@ -6248,7 +6780,7 @@
           </a:p>
           <a:p>
             <a:r>
-              <a:rPr lang="en-US" dirty="0" smtClean="0"/>
+              <a:rPr lang="en-US" dirty="0"/>
               <a:t>Fallback to HTML API’s when needed</a:t>
             </a:r>
           </a:p>
@@ -6405,13 +6937,6 @@
   <p:clrMapOvr>
     <a:masterClrMapping/>
   </p:clrMapOvr>
-  <p:timing>
-    <p:tnLst>
-      <p:par>
-        <p:cTn id="1" dur="indefinite" restart="never" nodeType="tmRoot"/>
-      </p:par>
-    </p:tnLst>
-  </p:timing>
 </p:sld>
 </file>
 
@@ -6448,7 +6973,7 @@
           <a:lstStyle/>
           <a:p>
             <a:r>
-              <a:rPr lang="en-US" dirty="0" err="1" smtClean="0"/>
+              <a:rPr lang="en-US" dirty="0" err="1"/>
               <a:t>jsTree</a:t>
             </a:r>
             <a:endParaRPr lang="en-US" dirty="0"/>
@@ -6476,62 +7001,62 @@
           <a:lstStyle/>
           <a:p>
             <a:r>
-              <a:rPr lang="en-US" dirty="0" smtClean="0"/>
+              <a:rPr lang="en-US" dirty="0"/>
               <a:t>API for building </a:t>
             </a:r>
             <a:r>
-              <a:rPr lang="en-US" dirty="0" err="1" smtClean="0"/>
+              <a:rPr lang="en-US" dirty="0" err="1"/>
               <a:t>jsTree</a:t>
             </a:r>
             <a:r>
-              <a:rPr lang="en-US" dirty="0" smtClean="0"/>
+              <a:rPr lang="en-US" dirty="0"/>
               <a:t> nodes and context menus</a:t>
             </a:r>
           </a:p>
           <a:p>
             <a:r>
-              <a:rPr lang="en-US" dirty="0" smtClean="0"/>
+              <a:rPr lang="en-US" dirty="0"/>
               <a:t>Built on HTML</a:t>
             </a:r>
           </a:p>
           <a:p>
             <a:r>
-              <a:rPr lang="en-US" dirty="0" smtClean="0"/>
+              <a:rPr lang="en-US" dirty="0"/>
               <a:t>How to use:</a:t>
             </a:r>
           </a:p>
           <a:p>
             <a:pPr lvl="1"/>
             <a:r>
-              <a:rPr lang="en-US" dirty="0" smtClean="0"/>
+              <a:rPr lang="en-US" dirty="0"/>
               <a:t>Obtain </a:t>
             </a:r>
             <a:r>
-              <a:rPr lang="en-US" dirty="0" err="1" smtClean="0"/>
+              <a:rPr lang="en-US" dirty="0" err="1"/>
               <a:t>JsTreeFactory</a:t>
             </a:r>
-            <a:endParaRPr lang="en-US" dirty="0" smtClean="0"/>
+            <a:endParaRPr lang="en-US" dirty="0"/>
           </a:p>
           <a:p>
             <a:pPr lvl="1"/>
             <a:r>
-              <a:rPr lang="en-US" dirty="0" smtClean="0"/>
+              <a:rPr lang="en-US" dirty="0"/>
               <a:t>Create nodes and menus</a:t>
             </a:r>
           </a:p>
           <a:p>
             <a:pPr lvl="1"/>
             <a:r>
-              <a:rPr lang="en-US" dirty="0" smtClean="0"/>
+              <a:rPr lang="en-US" dirty="0"/>
               <a:t>Configure  the nodes and menus</a:t>
             </a:r>
           </a:p>
           <a:p>
             <a:r>
-              <a:rPr lang="en-US" dirty="0" smtClean="0"/>
+              <a:rPr lang="en-US" dirty="0"/>
               <a:t>Output to JSON</a:t>
             </a:r>
-            <a:endParaRPr lang="en-US" dirty="0" smtClean="0">
+            <a:endParaRPr lang="en-US" dirty="0">
               <a:latin typeface="Courier New" pitchFamily="49" charset="0"/>
               <a:cs typeface="Courier New" pitchFamily="49" charset="0"/>
             </a:endParaRPr>
@@ -6556,7 +7081,7 @@
             <a:fld id="{2FC1517D-6454-4B51-956F-63E9CE29F372}" type="datetime1">
               <a:rPr lang="en-US" smtClean="0"/>
               <a:pPr/>
-              <a:t>3/7/2019</a:t>
+              <a:t>6/7/2019</a:t>
             </a:fld>
             <a:endParaRPr lang="en-US" dirty="0"/>
           </a:p>
@@ -6583,10 +7108,9 @@
           <a:lstStyle/>
           <a:p>
             <a:r>
-              <a:rPr lang="en-US" dirty="0" smtClean="0"/>
+              <a:rPr lang="en-US" dirty="0"/>
               <a:t>https://www.nasdanika.org/home/products/html/index.html</a:t>
             </a:r>
-            <a:endParaRPr lang="en-US" dirty="0"/>
           </a:p>
         </p:txBody>
       </p:sp>
@@ -6687,13 +7211,6 @@
   <p:clrMapOvr>
     <a:masterClrMapping/>
   </p:clrMapOvr>
-  <p:timing>
-    <p:tnLst>
-      <p:par>
-        <p:cTn id="1" dur="indefinite" restart="never" nodeType="tmRoot"/>
-      </p:par>
-    </p:tnLst>
-  </p:timing>
 </p:sld>
 </file>
 
@@ -6730,8 +7247,8 @@
           <a:lstStyle/>
           <a:p>
             <a:r>
-              <a:rPr lang="en-US" dirty="0" err="1" smtClean="0"/>
-              <a:t>KnockoutJS</a:t>
+              <a:rPr lang="en-US" dirty="0" err="1"/>
+              <a:t>ECharts</a:t>
             </a:r>
             <a:endParaRPr lang="en-US" dirty="0"/>
           </a:p>
@@ -6750,32 +7267,69 @@
         <p:spPr>
           <a:xfrm>
             <a:off x="457200" y="1431561"/>
-            <a:ext cx="8229600" cy="872727"/>
-          </a:xfrm>
-        </p:spPr>
-        <p:txBody>
-          <a:bodyPr/>
-          <a:lstStyle/>
-          <a:p>
-            <a:r>
-              <a:rPr lang="en-US" dirty="0" smtClean="0"/>
+            <a:ext cx="5846064" cy="4893039"/>
+          </a:xfrm>
+        </p:spPr>
+        <p:txBody>
+          <a:bodyPr/>
+          <a:lstStyle/>
+          <a:p>
+            <a:r>
+              <a:rPr lang="en-US" dirty="0"/>
               <a:t>API for building </a:t>
             </a:r>
             <a:r>
-              <a:rPr lang="en-US" dirty="0" err="1" smtClean="0"/>
-              <a:t>KnockoutJS</a:t>
-            </a:r>
-            <a:r>
-              <a:rPr lang="en-US" dirty="0" smtClean="0"/>
-              <a:t> bindings</a:t>
-            </a:r>
-          </a:p>
-          <a:p>
-            <a:r>
-              <a:rPr lang="en-US" dirty="0" smtClean="0"/>
+              <a:rPr lang="en-US" dirty="0" err="1"/>
+              <a:t>ECharts</a:t>
+            </a:r>
+            <a:r>
+              <a:rPr lang="en-US" dirty="0"/>
+              <a:t> charts</a:t>
+            </a:r>
+          </a:p>
+          <a:p>
+            <a:r>
+              <a:rPr lang="en-US" dirty="0"/>
               <a:t>Built on HTML</a:t>
             </a:r>
           </a:p>
+          <a:p>
+            <a:r>
+              <a:rPr lang="en-US" dirty="0"/>
+              <a:t>How to use:</a:t>
+            </a:r>
+          </a:p>
+          <a:p>
+            <a:pPr lvl="1"/>
+            <a:r>
+              <a:rPr lang="en-US" dirty="0"/>
+              <a:t>Obtain </a:t>
+            </a:r>
+            <a:r>
+              <a:rPr lang="en-US" dirty="0" err="1"/>
+              <a:t>EChartsFactory</a:t>
+            </a:r>
+            <a:endParaRPr lang="en-US" dirty="0"/>
+          </a:p>
+          <a:p>
+            <a:pPr lvl="1"/>
+            <a:r>
+              <a:rPr lang="en-US" dirty="0"/>
+              <a:t>Create </a:t>
+            </a:r>
+            <a:r>
+              <a:rPr lang="en-US" dirty="0" err="1"/>
+              <a:t>OptionBuilder</a:t>
+            </a:r>
+            <a:endParaRPr lang="en-US" dirty="0"/>
+          </a:p>
+          <a:p>
+            <a:pPr lvl="1"/>
+            <a:r>
+              <a:rPr lang="en-US" dirty="0"/>
+              <a:t>Configure option and then create a chart</a:t>
+            </a:r>
+          </a:p>
         </p:txBody>
       </p:sp>
       <p:sp>
@@ -6793,10 +7347,10 @@
           <a:bodyPr/>
           <a:lstStyle/>
           <a:p>
-            <a:fld id="{5442F966-785C-4252-A070-511E57F616FC}" type="datetime1">
+            <a:fld id="{2FC1517D-6454-4B51-956F-63E9CE29F372}" type="datetime1">
               <a:rPr lang="en-US" smtClean="0"/>
               <a:pPr/>
-              <a:t>3/7/2019</a:t>
+              <a:t>6/7/2019</a:t>
             </a:fld>
             <a:endParaRPr lang="en-US" dirty="0"/>
           </a:p>
@@ -6814,19 +7368,18 @@
         </p:nvSpPr>
         <p:spPr>
           <a:xfrm>
-            <a:off x="2666999" y="6356350"/>
-            <a:ext cx="4278807" cy="365125"/>
-          </a:xfrm>
-        </p:spPr>
-        <p:txBody>
-          <a:bodyPr/>
-          <a:lstStyle/>
-          <a:p>
-            <a:r>
-              <a:rPr lang="en-US" dirty="0" smtClean="0"/>
+            <a:off x="2667000" y="6356350"/>
+            <a:ext cx="4248528" cy="365125"/>
+          </a:xfrm>
+        </p:spPr>
+        <p:txBody>
+          <a:bodyPr/>
+          <a:lstStyle/>
+          <a:p>
+            <a:r>
+              <a:rPr lang="en-US" dirty="0"/>
               <a:t>https://www.nasdanika.org/home/products/html/index.html</a:t>
             </a:r>
-            <a:endParaRPr lang="en-US" dirty="0"/>
           </a:p>
         </p:txBody>
       </p:sp>
@@ -6856,84 +7409,160 @@
       </p:sp>
       <p:pic>
         <p:nvPicPr>
-          <p:cNvPr id="5123" name="Picture 3"/>
+          <p:cNvPr id="7" name="Picture 6">
+            <a:extLst>
+              <a:ext uri="{FF2B5EF4-FFF2-40B4-BE49-F238E27FC236}">
+                <a16:creationId xmlns:a16="http://schemas.microsoft.com/office/drawing/2014/main" id="{75A574C9-5816-4960-BE4F-30D4AA61CFD0}"/>
+              </a:ext>
+            </a:extLst>
+          </p:cNvPr>
           <p:cNvPicPr>
-            <a:picLocks noChangeAspect="1" noChangeArrowheads="1"/>
+            <a:picLocks noChangeAspect="1"/>
           </p:cNvPicPr>
           <p:nvPr/>
         </p:nvPicPr>
         <p:blipFill>
-          <a:blip r:embed="rId2" cstate="print"/>
-          <a:srcRect/>
+          <a:blip r:embed="rId2"/>
           <a:stretch>
             <a:fillRect/>
           </a:stretch>
         </p:blipFill>
-        <p:spPr bwMode="auto">
-          <a:xfrm>
-            <a:off x="6273551" y="1396178"/>
-            <a:ext cx="2708910" cy="4997768"/>
+        <p:spPr>
+          <a:xfrm>
+            <a:off x="6513686" y="743877"/>
+            <a:ext cx="2484569" cy="5768889"/>
           </a:xfrm>
           <a:prstGeom prst="rect">
             <a:avLst/>
           </a:prstGeom>
-          <a:noFill/>
-          <a:ln w="9525">
+          <a:ln>
             <a:solidFill>
               <a:schemeClr val="accent1"/>
             </a:solidFill>
-            <a:miter lim="800000"/>
-            <a:headEnd/>
-            <a:tailEnd/>
           </a:ln>
         </p:spPr>
       </p:pic>
       <p:pic>
         <p:nvPicPr>
-          <p:cNvPr id="5124" name="Picture 4"/>
+          <p:cNvPr id="10" name="Picture 9">
+            <a:extLst>
+              <a:ext uri="{FF2B5EF4-FFF2-40B4-BE49-F238E27FC236}">
+                <a16:creationId xmlns:a16="http://schemas.microsoft.com/office/drawing/2014/main" id="{2BE63285-F3AE-4DBF-98DA-DC4426A7F631}"/>
+              </a:ext>
+            </a:extLst>
+          </p:cNvPr>
           <p:cNvPicPr>
-            <a:picLocks noChangeAspect="1" noChangeArrowheads="1"/>
+            <a:picLocks noChangeAspect="1"/>
           </p:cNvPicPr>
           <p:nvPr/>
         </p:nvPicPr>
         <p:blipFill>
-          <a:blip r:embed="rId3" cstate="print"/>
-          <a:srcRect/>
+          <a:blip r:embed="rId3"/>
           <a:stretch>
             <a:fillRect/>
           </a:stretch>
         </p:blipFill>
-        <p:spPr bwMode="auto">
-          <a:xfrm>
-            <a:off x="3149538" y="2021971"/>
-            <a:ext cx="3043238" cy="4371975"/>
+        <p:spPr>
+          <a:xfrm>
+            <a:off x="199053" y="3590479"/>
+            <a:ext cx="2732654" cy="2922287"/>
           </a:xfrm>
           <a:prstGeom prst="rect">
             <a:avLst/>
           </a:prstGeom>
-          <a:noFill/>
-          <a:ln w="9525">
+          <a:ln>
             <a:solidFill>
               <a:schemeClr val="accent1"/>
             </a:solidFill>
-            <a:miter lim="800000"/>
-            <a:headEnd/>
-            <a:tailEnd/>
           </a:ln>
+        </p:spPr>
+      </p:pic>
+      <p:sp>
+        <p:nvSpPr>
+          <p:cNvPr id="13" name="Right Arrow 15">
+            <a:extLst>
+              <a:ext uri="{FF2B5EF4-FFF2-40B4-BE49-F238E27FC236}">
+                <a16:creationId xmlns:a16="http://schemas.microsoft.com/office/drawing/2014/main" id="{7FDFB8E3-E629-486E-A366-AA0F3C2E41BE}"/>
+              </a:ext>
+            </a:extLst>
+          </p:cNvPr>
+          <p:cNvSpPr/>
+          <p:nvPr/>
+        </p:nvSpPr>
+        <p:spPr>
+          <a:xfrm>
+            <a:off x="3029585" y="4840240"/>
+            <a:ext cx="646176" cy="365760"/>
+          </a:xfrm>
+          <a:prstGeom prst="rightArrow">
+            <a:avLst/>
+          </a:prstGeom>
+        </p:spPr>
+        <p:style>
+          <a:lnRef idx="2">
+            <a:schemeClr val="accent1">
+              <a:shade val="50000"/>
+            </a:schemeClr>
+          </a:lnRef>
+          <a:fillRef idx="1">
+            <a:schemeClr val="accent1"/>
+          </a:fillRef>
+          <a:effectRef idx="0">
+            <a:schemeClr val="accent1"/>
+          </a:effectRef>
+          <a:fontRef idx="minor">
+            <a:schemeClr val="lt1"/>
+          </a:fontRef>
+        </p:style>
+        <p:txBody>
+          <a:bodyPr rtlCol="0" anchor="ctr"/>
+          <a:lstStyle/>
+          <a:p>
+            <a:pPr algn="ctr"/>
+            <a:endParaRPr lang="en-US"/>
+          </a:p>
+        </p:txBody>
+      </p:sp>
+      <p:pic>
+        <p:nvPicPr>
+          <p:cNvPr id="11" name="Picture 10">
+            <a:extLst>
+              <a:ext uri="{FF2B5EF4-FFF2-40B4-BE49-F238E27FC236}">
+                <a16:creationId xmlns:a16="http://schemas.microsoft.com/office/drawing/2014/main" id="{F0CA585E-4B09-470C-A781-4C8A4A7765C2}"/>
+              </a:ext>
+            </a:extLst>
+          </p:cNvPr>
+          <p:cNvPicPr>
+            <a:picLocks noChangeAspect="1"/>
+          </p:cNvPicPr>
+          <p:nvPr/>
+        </p:nvPicPr>
+        <p:blipFill>
+          <a:blip r:embed="rId4"/>
+          <a:stretch>
+            <a:fillRect/>
+          </a:stretch>
+        </p:blipFill>
+        <p:spPr>
+          <a:xfrm>
+            <a:off x="3736322" y="4259328"/>
+            <a:ext cx="2671043" cy="1529605"/>
+          </a:xfrm>
+          <a:prstGeom prst="rect">
+            <a:avLst/>
+          </a:prstGeom>
         </p:spPr>
       </p:pic>
     </p:spTree>
+    <p:extLst>
+      <p:ext uri="{BB962C8B-B14F-4D97-AF65-F5344CB8AC3E}">
+        <p14:creationId xmlns:p14="http://schemas.microsoft.com/office/powerpoint/2010/main" val="3596767032"/>
+      </p:ext>
+    </p:extLst>
   </p:cSld>
   <p:clrMapOvr>
     <a:masterClrMapping/>
   </p:clrMapOvr>
-  <p:timing>
-    <p:tnLst>
-      <p:par>
-        <p:cTn id="1" dur="indefinite" restart="never" nodeType="tmRoot"/>
-      </p:par>
-    </p:tnLst>
-  </p:timing>
 </p:sld>
 </file>
 
@@ -6970,8 +7599,8 @@
           <a:lstStyle/>
           <a:p>
             <a:r>
-              <a:rPr lang="en-US" dirty="0" smtClean="0"/>
-              <a:t>Application - philosophy</a:t>
+              <a:rPr lang="en-US" dirty="0" err="1"/>
+              <a:t>KnockoutJS</a:t>
             </a:r>
             <a:endParaRPr lang="en-US" dirty="0"/>
           </a:p>
@@ -6987,132 +7616,56 @@
             <p:ph idx="1"/>
           </p:nvPr>
         </p:nvSpPr>
+        <p:spPr>
+          <a:xfrm>
+            <a:off x="457200" y="1431561"/>
+            <a:ext cx="8229600" cy="872727"/>
+          </a:xfrm>
+        </p:spPr>
+        <p:txBody>
+          <a:bodyPr/>
+          <a:lstStyle/>
+          <a:p>
+            <a:r>
+              <a:rPr lang="en-US" dirty="0"/>
+              <a:t>API for building </a:t>
+            </a:r>
+            <a:r>
+              <a:rPr lang="en-US" dirty="0" err="1"/>
+              <a:t>KnockoutJS</a:t>
+            </a:r>
+            <a:r>
+              <a:rPr lang="en-US" dirty="0"/>
+              <a:t> bindings</a:t>
+            </a:r>
+          </a:p>
+          <a:p>
+            <a:r>
+              <a:rPr lang="en-US" dirty="0"/>
+              <a:t>Built on HTML</a:t>
+            </a:r>
+          </a:p>
+        </p:txBody>
+      </p:sp>
+      <p:sp>
+        <p:nvSpPr>
+          <p:cNvPr id="4" name="Date Placeholder 3"/>
+          <p:cNvSpPr>
+            <a:spLocks noGrp="1"/>
+          </p:cNvSpPr>
+          <p:nvPr>
+            <p:ph type="dt" sz="half" idx="10"/>
+          </p:nvPr>
+        </p:nvSpPr>
         <p:spPr/>
         <p:txBody>
           <a:bodyPr/>
           <a:lstStyle/>
           <a:p>
-            <a:r>
-              <a:rPr lang="en-US" dirty="0" smtClean="0"/>
-              <a:t>Abstractions to thinks of user-system interaction as:</a:t>
-            </a:r>
-          </a:p>
-          <a:p>
-            <a:pPr lvl="1"/>
-            <a:r>
-              <a:rPr lang="en-US" dirty="0" smtClean="0"/>
-              <a:t>System invokes a user by passing them a callback (user) interface with actions to activate</a:t>
-            </a:r>
-          </a:p>
-          <a:p>
-            <a:pPr lvl="1"/>
-            <a:r>
-              <a:rPr lang="en-US" dirty="0" smtClean="0"/>
-              <a:t>Actions form a vocabulary of system-user interactions</a:t>
-            </a:r>
-          </a:p>
-          <a:p>
-            <a:pPr lvl="1"/>
-            <a:r>
-              <a:rPr lang="en-US" dirty="0" smtClean="0"/>
-              <a:t>The framework takes care of generating an HTML UI from actions and property sources</a:t>
-            </a:r>
-          </a:p>
-          <a:p>
-            <a:r>
-              <a:rPr lang="en-US" dirty="0" smtClean="0"/>
-              <a:t>Subject - Verb – Object =&gt; User - Action - Property source:</a:t>
-            </a:r>
-          </a:p>
-          <a:p>
-            <a:pPr lvl="1"/>
-            <a:r>
-              <a:rPr lang="en-US" dirty="0" smtClean="0"/>
-              <a:t>"</a:t>
-            </a:r>
-            <a:r>
-              <a:rPr lang="en-US" dirty="0" smtClean="0">
-                <a:solidFill>
-                  <a:srgbClr val="0070C0"/>
-                </a:solidFill>
-              </a:rPr>
-              <a:t>Customer </a:t>
-            </a:r>
-            <a:r>
-              <a:rPr lang="en-US" dirty="0" smtClean="0"/>
-              <a:t> </a:t>
-            </a:r>
-            <a:r>
-              <a:rPr lang="en-US" dirty="0" smtClean="0">
-                <a:solidFill>
-                  <a:srgbClr val="FF0000"/>
-                </a:solidFill>
-              </a:rPr>
-              <a:t>views</a:t>
-            </a:r>
-            <a:r>
-              <a:rPr lang="en-US" dirty="0" smtClean="0"/>
-              <a:t> </a:t>
-            </a:r>
-            <a:r>
-              <a:rPr lang="en-US" dirty="0" smtClean="0">
-                <a:solidFill>
-                  <a:schemeClr val="accent5">
-                    <a:lumMod val="50000"/>
-                  </a:schemeClr>
-                </a:solidFill>
-              </a:rPr>
-              <a:t>account details</a:t>
-            </a:r>
-            <a:r>
-              <a:rPr lang="en-US" dirty="0" smtClean="0"/>
-              <a:t>”:</a:t>
-            </a:r>
-          </a:p>
-          <a:p>
-            <a:pPr lvl="2"/>
-            <a:r>
-              <a:rPr lang="en-US" dirty="0" smtClean="0"/>
-              <a:t>Customer  - user</a:t>
-            </a:r>
-          </a:p>
-          <a:p>
-            <a:pPr lvl="2"/>
-            <a:r>
-              <a:rPr lang="en-US" dirty="0" smtClean="0"/>
-              <a:t>Views account details – view action for “account” property source</a:t>
-            </a:r>
-          </a:p>
-          <a:p>
-            <a:r>
-              <a:rPr lang="en-US" dirty="0" smtClean="0"/>
-              <a:t>If it can be articulated, it can be automated</a:t>
-            </a:r>
-          </a:p>
-          <a:p>
-            <a:endParaRPr lang="en-US" dirty="0"/>
-          </a:p>
-        </p:txBody>
-      </p:sp>
-      <p:sp>
-        <p:nvSpPr>
-          <p:cNvPr id="4" name="Date Placeholder 3"/>
-          <p:cNvSpPr>
-            <a:spLocks noGrp="1"/>
-          </p:cNvSpPr>
-          <p:nvPr>
-            <p:ph type="dt" sz="half" idx="10"/>
-          </p:nvPr>
-        </p:nvSpPr>
-        <p:spPr/>
-        <p:txBody>
-          <a:bodyPr/>
-          <a:lstStyle/>
-          <a:p>
-            <a:fld id="{1F6C5535-E64E-4962-9D3C-0A437E2012AD}" type="datetime1">
+            <a:fld id="{5442F966-785C-4252-A070-511E57F616FC}" type="datetime1">
               <a:rPr lang="en-US" smtClean="0"/>
               <a:pPr/>
-              <a:t>3/7/2019</a:t>
+              <a:t>6/7/2019</a:t>
             </a:fld>
             <a:endParaRPr lang="en-US" dirty="0"/>
           </a:p>
@@ -7130,19 +7683,18 @@
         </p:nvSpPr>
         <p:spPr>
           <a:xfrm>
-            <a:off x="2667000" y="6356350"/>
-            <a:ext cx="4478642" cy="365125"/>
-          </a:xfrm>
-        </p:spPr>
-        <p:txBody>
-          <a:bodyPr/>
-          <a:lstStyle/>
-          <a:p>
-            <a:r>
-              <a:rPr lang="en-US" dirty="0" smtClean="0"/>
+            <a:off x="2666999" y="6356350"/>
+            <a:ext cx="4278807" cy="365125"/>
+          </a:xfrm>
+        </p:spPr>
+        <p:txBody>
+          <a:bodyPr/>
+          <a:lstStyle/>
+          <a:p>
+            <a:r>
+              <a:rPr lang="en-US" dirty="0"/>
               <a:t>https://www.nasdanika.org/home/products/html/index.html</a:t>
             </a:r>
-            <a:endParaRPr lang="en-US" dirty="0"/>
           </a:p>
         </p:txBody>
       </p:sp>
@@ -7170,18 +7722,79 @@
           </a:p>
         </p:txBody>
       </p:sp>
+      <p:pic>
+        <p:nvPicPr>
+          <p:cNvPr id="5123" name="Picture 3"/>
+          <p:cNvPicPr>
+            <a:picLocks noChangeAspect="1" noChangeArrowheads="1"/>
+          </p:cNvPicPr>
+          <p:nvPr/>
+        </p:nvPicPr>
+        <p:blipFill>
+          <a:blip r:embed="rId2" cstate="print"/>
+          <a:srcRect/>
+          <a:stretch>
+            <a:fillRect/>
+          </a:stretch>
+        </p:blipFill>
+        <p:spPr bwMode="auto">
+          <a:xfrm>
+            <a:off x="6273551" y="1396178"/>
+            <a:ext cx="2708910" cy="4997768"/>
+          </a:xfrm>
+          <a:prstGeom prst="rect">
+            <a:avLst/>
+          </a:prstGeom>
+          <a:noFill/>
+          <a:ln w="9525">
+            <a:solidFill>
+              <a:schemeClr val="accent1"/>
+            </a:solidFill>
+            <a:miter lim="800000"/>
+            <a:headEnd/>
+            <a:tailEnd/>
+          </a:ln>
+        </p:spPr>
+      </p:pic>
+      <p:pic>
+        <p:nvPicPr>
+          <p:cNvPr id="5124" name="Picture 4"/>
+          <p:cNvPicPr>
+            <a:picLocks noChangeAspect="1" noChangeArrowheads="1"/>
+          </p:cNvPicPr>
+          <p:nvPr/>
+        </p:nvPicPr>
+        <p:blipFill>
+          <a:blip r:embed="rId3" cstate="print"/>
+          <a:srcRect/>
+          <a:stretch>
+            <a:fillRect/>
+          </a:stretch>
+        </p:blipFill>
+        <p:spPr bwMode="auto">
+          <a:xfrm>
+            <a:off x="3149538" y="2021971"/>
+            <a:ext cx="3043238" cy="4371975"/>
+          </a:xfrm>
+          <a:prstGeom prst="rect">
+            <a:avLst/>
+          </a:prstGeom>
+          <a:noFill/>
+          <a:ln w="9525">
+            <a:solidFill>
+              <a:schemeClr val="accent1"/>
+            </a:solidFill>
+            <a:miter lim="800000"/>
+            <a:headEnd/>
+            <a:tailEnd/>
+          </a:ln>
+        </p:spPr>
+      </p:pic>
     </p:spTree>
   </p:cSld>
   <p:clrMapOvr>
     <a:masterClrMapping/>
   </p:clrMapOvr>
-  <p:timing>
-    <p:tnLst>
-      <p:par>
-        <p:cTn id="1" dur="indefinite" restart="never" nodeType="tmRoot"/>
-      </p:par>
-    </p:tnLst>
-  </p:timing>
 </p:sld>
 </file>
 
@@ -7218,103 +7831,131 @@
           <a:lstStyle/>
           <a:p>
             <a:r>
-              <a:rPr lang="en-US" dirty="0" smtClean="0"/>
-              <a:t>Application – key abstractions</a:t>
-            </a:r>
+              <a:rPr lang="en-US" dirty="0"/>
+              <a:t>Application - philosophy</a:t>
+            </a:r>
+          </a:p>
+        </p:txBody>
+      </p:sp>
+      <p:sp>
+        <p:nvSpPr>
+          <p:cNvPr id="3" name="Content Placeholder 2"/>
+          <p:cNvSpPr>
+            <a:spLocks noGrp="1"/>
+          </p:cNvSpPr>
+          <p:nvPr>
+            <p:ph idx="1"/>
+          </p:nvPr>
+        </p:nvSpPr>
+        <p:spPr/>
+        <p:txBody>
+          <a:bodyPr/>
+          <a:lstStyle/>
+          <a:p>
+            <a:r>
+              <a:rPr lang="en-US" dirty="0"/>
+              <a:t>Abstractions to thinks of user-system interaction as:</a:t>
+            </a:r>
+          </a:p>
+          <a:p>
+            <a:pPr lvl="1"/>
+            <a:r>
+              <a:rPr lang="en-US" dirty="0"/>
+              <a:t>System invokes a user by passing them a callback (user) interface with actions to activate</a:t>
+            </a:r>
+          </a:p>
+          <a:p>
+            <a:pPr lvl="1"/>
+            <a:r>
+              <a:rPr lang="en-US" dirty="0"/>
+              <a:t>Actions form a vocabulary of system-user interactions</a:t>
+            </a:r>
+          </a:p>
+          <a:p>
+            <a:pPr lvl="1"/>
+            <a:r>
+              <a:rPr lang="en-US" dirty="0"/>
+              <a:t>The framework takes care of generating an HTML UI from actions and property sources</a:t>
+            </a:r>
+          </a:p>
+          <a:p>
+            <a:r>
+              <a:rPr lang="en-US" dirty="0"/>
+              <a:t>Subject - Verb – Object =&gt; User - Action - Property source:</a:t>
+            </a:r>
+          </a:p>
+          <a:p>
+            <a:pPr lvl="1"/>
+            <a:r>
+              <a:rPr lang="en-US" dirty="0"/>
+              <a:t>"</a:t>
+            </a:r>
+            <a:r>
+              <a:rPr lang="en-US" dirty="0">
+                <a:solidFill>
+                  <a:srgbClr val="0070C0"/>
+                </a:solidFill>
+              </a:rPr>
+              <a:t>Customer </a:t>
+            </a:r>
+            <a:r>
+              <a:rPr lang="en-US" dirty="0"/>
+              <a:t> </a:t>
+            </a:r>
+            <a:r>
+              <a:rPr lang="en-US" dirty="0">
+                <a:solidFill>
+                  <a:srgbClr val="FF0000"/>
+                </a:solidFill>
+              </a:rPr>
+              <a:t>views</a:t>
+            </a:r>
+            <a:r>
+              <a:rPr lang="en-US" dirty="0"/>
+              <a:t> </a:t>
+            </a:r>
+            <a:r>
+              <a:rPr lang="en-US" dirty="0">
+                <a:solidFill>
+                  <a:schemeClr val="accent5">
+                    <a:lumMod val="50000"/>
+                  </a:schemeClr>
+                </a:solidFill>
+              </a:rPr>
+              <a:t>account details</a:t>
+            </a:r>
+            <a:r>
+              <a:rPr lang="en-US" dirty="0"/>
+              <a:t>”:</a:t>
+            </a:r>
+          </a:p>
+          <a:p>
+            <a:pPr lvl="2"/>
+            <a:r>
+              <a:rPr lang="en-US" dirty="0"/>
+              <a:t>Customer  - user</a:t>
+            </a:r>
+          </a:p>
+          <a:p>
+            <a:pPr lvl="2"/>
+            <a:r>
+              <a:rPr lang="en-US" dirty="0"/>
+              <a:t>Views account details – view action for “account” property source</a:t>
+            </a:r>
+          </a:p>
+          <a:p>
+            <a:r>
+              <a:rPr lang="en-US" dirty="0"/>
+              <a:t>If it can be articulated, it can be automated</a:t>
+            </a:r>
+          </a:p>
+          <a:p>
             <a:endParaRPr lang="en-US" dirty="0"/>
           </a:p>
         </p:txBody>
       </p:sp>
       <p:sp>
         <p:nvSpPr>
-          <p:cNvPr id="3" name="Content Placeholder 2"/>
-          <p:cNvSpPr>
-            <a:spLocks noGrp="1"/>
-          </p:cNvSpPr>
-          <p:nvPr>
-            <p:ph idx="1"/>
-          </p:nvPr>
-        </p:nvSpPr>
-        <p:spPr>
-          <a:xfrm>
-            <a:off x="457200" y="1431561"/>
-            <a:ext cx="6199632" cy="4893039"/>
-          </a:xfrm>
-        </p:spPr>
-        <p:txBody>
-          <a:bodyPr>
-            <a:normAutofit/>
-          </a:bodyPr>
-          <a:lstStyle/>
-          <a:p>
-            <a:r>
-              <a:rPr lang="en-US" dirty="0" smtClean="0"/>
-              <a:t>Label – something with text and icon</a:t>
-            </a:r>
-          </a:p>
-          <a:p>
-            <a:r>
-              <a:rPr lang="en-US" dirty="0" smtClean="0"/>
-              <a:t>Action – a label which can be activated by a user</a:t>
-            </a:r>
-          </a:p>
-          <a:p>
-            <a:r>
-              <a:rPr lang="en-US" dirty="0" smtClean="0"/>
-              <a:t>Data sources and properties – low-level data access</a:t>
-            </a:r>
-          </a:p>
-          <a:p>
-            <a:r>
-              <a:rPr lang="en-US" dirty="0" smtClean="0"/>
-              <a:t>Property sources and property descriptors – higher-level data access abstractions with UI attributes and actions</a:t>
-            </a:r>
-          </a:p>
-          <a:p>
-            <a:r>
-              <a:rPr lang="en-US" dirty="0" smtClean="0"/>
-              <a:t>Application – header, navigation bar, navigation panel, content panel, footer</a:t>
-            </a:r>
-          </a:p>
-          <a:p>
-            <a:r>
-              <a:rPr lang="en-US" dirty="0" smtClean="0"/>
-              <a:t>Application Builder – builds application</a:t>
-            </a:r>
-          </a:p>
-          <a:p>
-            <a:r>
-              <a:rPr lang="en-US" dirty="0" smtClean="0"/>
-              <a:t>Action Application Builder – builds application from an action tree</a:t>
-            </a:r>
-          </a:p>
-          <a:p>
-            <a:r>
-              <a:rPr lang="en-US" dirty="0" err="1" smtClean="0"/>
-              <a:t>ViewPart</a:t>
-            </a:r>
-            <a:r>
-              <a:rPr lang="en-US" dirty="0" smtClean="0"/>
-              <a:t> – contributor to UI construction</a:t>
-            </a:r>
-          </a:p>
-          <a:p>
-            <a:r>
-              <a:rPr lang="en-US" dirty="0" err="1" smtClean="0"/>
-              <a:t>ViewGenerator</a:t>
-            </a:r>
-            <a:r>
-              <a:rPr lang="en-US" dirty="0" smtClean="0"/>
-              <a:t> – provides common generation methods and access to factories</a:t>
-            </a:r>
-          </a:p>
-          <a:p>
-            <a:endParaRPr lang="en-US" dirty="0"/>
-          </a:p>
-        </p:txBody>
-      </p:sp>
-      <p:sp>
-        <p:nvSpPr>
           <p:cNvPr id="4" name="Date Placeholder 3"/>
           <p:cNvSpPr>
             <a:spLocks noGrp="1"/>
@@ -7328,10 +7969,10 @@
           <a:bodyPr/>
           <a:lstStyle/>
           <a:p>
-            <a:fld id="{7FFC5144-B85A-4FBB-8599-2FDBC35266DE}" type="datetime1">
+            <a:fld id="{1F6C5535-E64E-4962-9D3C-0A437E2012AD}" type="datetime1">
               <a:rPr lang="en-US" smtClean="0"/>
               <a:pPr/>
-              <a:t>3/7/2019</a:t>
+              <a:t>6/7/2019</a:t>
             </a:fld>
             <a:endParaRPr lang="en-US" dirty="0"/>
           </a:p>
@@ -7349,19 +7990,18 @@
         </p:nvSpPr>
         <p:spPr>
           <a:xfrm>
-            <a:off x="2666999" y="6356350"/>
-            <a:ext cx="4466531" cy="365125"/>
-          </a:xfrm>
-        </p:spPr>
-        <p:txBody>
-          <a:bodyPr/>
-          <a:lstStyle/>
-          <a:p>
-            <a:r>
-              <a:rPr lang="en-US" dirty="0" smtClean="0"/>
+            <a:off x="2667000" y="6356350"/>
+            <a:ext cx="4478642" cy="365125"/>
+          </a:xfrm>
+        </p:spPr>
+        <p:txBody>
+          <a:bodyPr/>
+          <a:lstStyle/>
+          <a:p>
+            <a:r>
+              <a:rPr lang="en-US" dirty="0"/>
               <a:t>https://www.nasdanika.org/home/products/html/index.html</a:t>
             </a:r>
-            <a:endParaRPr lang="en-US" dirty="0"/>
           </a:p>
         </p:txBody>
       </p:sp>
@@ -7389,52 +8029,11 @@
           </a:p>
         </p:txBody>
       </p:sp>
-      <p:pic>
-        <p:nvPicPr>
-          <p:cNvPr id="6146" name="Picture 2"/>
-          <p:cNvPicPr>
-            <a:picLocks noChangeAspect="1" noChangeArrowheads="1"/>
-          </p:cNvPicPr>
-          <p:nvPr/>
-        </p:nvPicPr>
-        <p:blipFill>
-          <a:blip r:embed="rId2" cstate="print"/>
-          <a:srcRect/>
-          <a:stretch>
-            <a:fillRect/>
-          </a:stretch>
-        </p:blipFill>
-        <p:spPr bwMode="auto">
-          <a:xfrm>
-            <a:off x="6764084" y="849249"/>
-            <a:ext cx="2028825" cy="5695950"/>
-          </a:xfrm>
-          <a:prstGeom prst="rect">
-            <a:avLst/>
-          </a:prstGeom>
-          <a:noFill/>
-          <a:ln w="9525">
-            <a:solidFill>
-              <a:schemeClr val="accent1"/>
-            </a:solidFill>
-            <a:miter lim="800000"/>
-            <a:headEnd/>
-            <a:tailEnd/>
-          </a:ln>
-        </p:spPr>
-      </p:pic>
     </p:spTree>
   </p:cSld>
   <p:clrMapOvr>
     <a:masterClrMapping/>
   </p:clrMapOvr>
-  <p:timing>
-    <p:tnLst>
-      <p:par>
-        <p:cTn id="1" dur="indefinite" restart="never" nodeType="tmRoot"/>
-      </p:par>
-    </p:tnLst>
-  </p:timing>
 </p:sld>
 </file>
 
